--- a/front-react/protótipo.pptx
+++ b/front-react/protótipo.pptx
@@ -465,6 +465,258 @@
     </a:lvl9pPr>
   </p:notesStyle>
 </p:notesMaster>
+</file>
+
+<file path=ppt/notesSlides/notesSlide1.xml><?xml version="1.0" encoding="utf-8"?>
+<p:notes xmlns:a="http://schemas.openxmlformats.org/drawingml/2006/main" xmlns:r="http://schemas.openxmlformats.org/officeDocument/2006/relationships" xmlns:p="http://schemas.openxmlformats.org/presentationml/2006/main">
+  <p:cSld>
+    <p:spTree>
+      <p:nvGrpSpPr>
+        <p:cNvPr id="1" name=""/>
+        <p:cNvGrpSpPr/>
+        <p:nvPr/>
+      </p:nvGrpSpPr>
+      <p:grpSpPr>
+        <a:xfrm>
+          <a:off x="0" y="0"/>
+          <a:ext cx="0" cy="0"/>
+          <a:chOff x="0" y="0"/>
+          <a:chExt cx="0" cy="0"/>
+        </a:xfrm>
+      </p:grpSpPr>
+      <p:sp>
+        <p:nvSpPr>
+          <p:cNvPr id="2" name="Slide Image Placeholder 1"/>
+          <p:cNvSpPr>
+            <a:spLocks noGrp="1" noRot="1" noChangeAspect="1"/>
+          </p:cNvSpPr>
+          <p:nvPr>
+            <p:ph type="sldImg"/>
+          </p:nvPr>
+        </p:nvSpPr>
+        <p:spPr/>
+      </p:sp>
+      <p:sp>
+        <p:nvSpPr>
+          <p:cNvPr id="3" name="Notes Placeholder 2"/>
+          <p:cNvSpPr>
+            <a:spLocks noGrp="1"/>
+          </p:cNvSpPr>
+          <p:nvPr>
+            <p:ph type="body" idx="1"/>
+          </p:nvPr>
+        </p:nvSpPr>
+        <p:spPr/>
+        <p:txBody>
+          <a:bodyPr/>
+          <a:lstStyle/>
+          <a:p>
+            <a:endParaRPr lang="en-BR" dirty="0"/>
+          </a:p>
+        </p:txBody>
+      </p:sp>
+      <p:sp>
+        <p:nvSpPr>
+          <p:cNvPr id="4" name="Slide Number Placeholder 3"/>
+          <p:cNvSpPr>
+            <a:spLocks noGrp="1"/>
+          </p:cNvSpPr>
+          <p:nvPr>
+            <p:ph type="sldNum" sz="quarter" idx="5"/>
+          </p:nvPr>
+        </p:nvSpPr>
+        <p:spPr/>
+        <p:txBody>
+          <a:bodyPr/>
+          <a:lstStyle/>
+          <a:p>
+            <a:fld id="{8D0679E8-9BC7-1344-8169-4317B01D3FE0}" type="slidenum">
+              <a:rPr lang="en-BR" smtClean="0"/>
+              <a:t>6</a:t>
+            </a:fld>
+            <a:endParaRPr lang="en-BR"/>
+          </a:p>
+        </p:txBody>
+      </p:sp>
+    </p:spTree>
+    <p:extLst>
+      <p:ext uri="{BB962C8B-B14F-4D97-AF65-F5344CB8AC3E}">
+        <p14:creationId xmlns:p14="http://schemas.microsoft.com/office/powerpoint/2010/main" val="1065880244"/>
+      </p:ext>
+    </p:extLst>
+  </p:cSld>
+  <p:clrMapOvr>
+    <a:masterClrMapping/>
+  </p:clrMapOvr>
+</p:notes>
+</file>
+
+<file path=ppt/notesSlides/notesSlide2.xml><?xml version="1.0" encoding="utf-8"?>
+<p:notes xmlns:a="http://schemas.openxmlformats.org/drawingml/2006/main" xmlns:r="http://schemas.openxmlformats.org/officeDocument/2006/relationships" xmlns:p="http://schemas.openxmlformats.org/presentationml/2006/main">
+  <p:cSld>
+    <p:spTree>
+      <p:nvGrpSpPr>
+        <p:cNvPr id="1" name=""/>
+        <p:cNvGrpSpPr/>
+        <p:nvPr/>
+      </p:nvGrpSpPr>
+      <p:grpSpPr>
+        <a:xfrm>
+          <a:off x="0" y="0"/>
+          <a:ext cx="0" cy="0"/>
+          <a:chOff x="0" y="0"/>
+          <a:chExt cx="0" cy="0"/>
+        </a:xfrm>
+      </p:grpSpPr>
+      <p:sp>
+        <p:nvSpPr>
+          <p:cNvPr id="2" name="Slide Image Placeholder 1"/>
+          <p:cNvSpPr>
+            <a:spLocks noGrp="1" noRot="1" noChangeAspect="1"/>
+          </p:cNvSpPr>
+          <p:nvPr>
+            <p:ph type="sldImg"/>
+          </p:nvPr>
+        </p:nvSpPr>
+        <p:spPr/>
+      </p:sp>
+      <p:sp>
+        <p:nvSpPr>
+          <p:cNvPr id="3" name="Notes Placeholder 2"/>
+          <p:cNvSpPr>
+            <a:spLocks noGrp="1"/>
+          </p:cNvSpPr>
+          <p:nvPr>
+            <p:ph type="body" idx="1"/>
+          </p:nvPr>
+        </p:nvSpPr>
+        <p:spPr/>
+        <p:txBody>
+          <a:bodyPr/>
+          <a:lstStyle/>
+          <a:p>
+            <a:endParaRPr lang="en-BR" dirty="0"/>
+          </a:p>
+        </p:txBody>
+      </p:sp>
+      <p:sp>
+        <p:nvSpPr>
+          <p:cNvPr id="4" name="Slide Number Placeholder 3"/>
+          <p:cNvSpPr>
+            <a:spLocks noGrp="1"/>
+          </p:cNvSpPr>
+          <p:nvPr>
+            <p:ph type="sldNum" sz="quarter" idx="5"/>
+          </p:nvPr>
+        </p:nvSpPr>
+        <p:spPr/>
+        <p:txBody>
+          <a:bodyPr/>
+          <a:lstStyle/>
+          <a:p>
+            <a:fld id="{8D0679E8-9BC7-1344-8169-4317B01D3FE0}" type="slidenum">
+              <a:rPr lang="en-BR" smtClean="0"/>
+              <a:t>7</a:t>
+            </a:fld>
+            <a:endParaRPr lang="en-BR"/>
+          </a:p>
+        </p:txBody>
+      </p:sp>
+    </p:spTree>
+    <p:extLst>
+      <p:ext uri="{BB962C8B-B14F-4D97-AF65-F5344CB8AC3E}">
+        <p14:creationId xmlns:p14="http://schemas.microsoft.com/office/powerpoint/2010/main" val="2159220689"/>
+      </p:ext>
+    </p:extLst>
+  </p:cSld>
+  <p:clrMapOvr>
+    <a:masterClrMapping/>
+  </p:clrMapOvr>
+</p:notes>
+</file>
+
+<file path=ppt/notesSlides/notesSlide3.xml><?xml version="1.0" encoding="utf-8"?>
+<p:notes xmlns:a="http://schemas.openxmlformats.org/drawingml/2006/main" xmlns:r="http://schemas.openxmlformats.org/officeDocument/2006/relationships" xmlns:p="http://schemas.openxmlformats.org/presentationml/2006/main">
+  <p:cSld>
+    <p:spTree>
+      <p:nvGrpSpPr>
+        <p:cNvPr id="1" name=""/>
+        <p:cNvGrpSpPr/>
+        <p:nvPr/>
+      </p:nvGrpSpPr>
+      <p:grpSpPr>
+        <a:xfrm>
+          <a:off x="0" y="0"/>
+          <a:ext cx="0" cy="0"/>
+          <a:chOff x="0" y="0"/>
+          <a:chExt cx="0" cy="0"/>
+        </a:xfrm>
+      </p:grpSpPr>
+      <p:sp>
+        <p:nvSpPr>
+          <p:cNvPr id="2" name="Slide Image Placeholder 1"/>
+          <p:cNvSpPr>
+            <a:spLocks noGrp="1" noRot="1" noChangeAspect="1"/>
+          </p:cNvSpPr>
+          <p:nvPr>
+            <p:ph type="sldImg"/>
+          </p:nvPr>
+        </p:nvSpPr>
+        <p:spPr/>
+      </p:sp>
+      <p:sp>
+        <p:nvSpPr>
+          <p:cNvPr id="3" name="Notes Placeholder 2"/>
+          <p:cNvSpPr>
+            <a:spLocks noGrp="1"/>
+          </p:cNvSpPr>
+          <p:nvPr>
+            <p:ph type="body" idx="1"/>
+          </p:nvPr>
+        </p:nvSpPr>
+        <p:spPr/>
+        <p:txBody>
+          <a:bodyPr/>
+          <a:lstStyle/>
+          <a:p>
+            <a:endParaRPr lang="en-BR" dirty="0"/>
+          </a:p>
+        </p:txBody>
+      </p:sp>
+      <p:sp>
+        <p:nvSpPr>
+          <p:cNvPr id="4" name="Slide Number Placeholder 3"/>
+          <p:cNvSpPr>
+            <a:spLocks noGrp="1"/>
+          </p:cNvSpPr>
+          <p:nvPr>
+            <p:ph type="sldNum" sz="quarter" idx="5"/>
+          </p:nvPr>
+        </p:nvSpPr>
+        <p:spPr/>
+        <p:txBody>
+          <a:bodyPr/>
+          <a:lstStyle/>
+          <a:p>
+            <a:fld id="{8D0679E8-9BC7-1344-8169-4317B01D3FE0}" type="slidenum">
+              <a:rPr lang="en-BR" smtClean="0"/>
+              <a:t>8</a:t>
+            </a:fld>
+            <a:endParaRPr lang="en-BR"/>
+          </a:p>
+        </p:txBody>
+      </p:sp>
+    </p:spTree>
+    <p:extLst>
+      <p:ext uri="{BB962C8B-B14F-4D97-AF65-F5344CB8AC3E}">
+        <p14:creationId xmlns:p14="http://schemas.microsoft.com/office/powerpoint/2010/main" val="2007645606"/>
+      </p:ext>
+    </p:extLst>
+  </p:cSld>
+  <p:clrMapOvr>
+    <a:masterClrMapping/>
+  </p:clrMapOvr>
+</p:notes>
 </file>
 
 <file path=ppt/slideLayouts/slideLayout1.xml><?xml version="1.0" encoding="utf-8"?>
@@ -7577,36 +7829,6 @@
           <p:nvPr/>
         </p:nvPicPr>
         <p:blipFill>
-          <a:blip r:embed="rId2"/>
-          <a:stretch>
-            <a:fillRect/>
-          </a:stretch>
-        </p:blipFill>
-        <p:spPr>
-          <a:xfrm>
-            <a:off x="0" y="0"/>
-            <a:ext cx="10987314" cy="6858486"/>
-          </a:xfrm>
-          <a:prstGeom prst="rect">
-            <a:avLst/>
-          </a:prstGeom>
-        </p:spPr>
-      </p:pic>
-      <p:pic>
-        <p:nvPicPr>
-          <p:cNvPr id="2" name="Picture 1">
-            <a:extLst>
-              <a:ext uri="{FF2B5EF4-FFF2-40B4-BE49-F238E27FC236}">
-                <a16:creationId xmlns:a16="http://schemas.microsoft.com/office/drawing/2014/main" id="{AAB98E17-1B60-6AF0-2B58-23D29B60A7E8}"/>
-              </a:ext>
-            </a:extLst>
-          </p:cNvPr>
-          <p:cNvPicPr>
-            <a:picLocks noChangeAspect="1"/>
-          </p:cNvPicPr>
-          <p:nvPr/>
-        </p:nvPicPr>
-        <p:blipFill>
           <a:blip r:embed="rId3"/>
           <a:stretch>
             <a:fillRect/>
@@ -7614,6 +7836,36 @@
         </p:blipFill>
         <p:spPr>
           <a:xfrm>
+            <a:off x="0" y="0"/>
+            <a:ext cx="10987314" cy="6858486"/>
+          </a:xfrm>
+          <a:prstGeom prst="rect">
+            <a:avLst/>
+          </a:prstGeom>
+        </p:spPr>
+      </p:pic>
+      <p:pic>
+        <p:nvPicPr>
+          <p:cNvPr id="2" name="Picture 1">
+            <a:extLst>
+              <a:ext uri="{FF2B5EF4-FFF2-40B4-BE49-F238E27FC236}">
+                <a16:creationId xmlns:a16="http://schemas.microsoft.com/office/drawing/2014/main" id="{AAB98E17-1B60-6AF0-2B58-23D29B60A7E8}"/>
+              </a:ext>
+            </a:extLst>
+          </p:cNvPr>
+          <p:cNvPicPr>
+            <a:picLocks noChangeAspect="1"/>
+          </p:cNvPicPr>
+          <p:nvPr/>
+        </p:nvPicPr>
+        <p:blipFill>
+          <a:blip r:embed="rId4"/>
+          <a:stretch>
+            <a:fillRect/>
+          </a:stretch>
+        </p:blipFill>
+        <p:spPr>
+          <a:xfrm>
             <a:off x="0" y="1117600"/>
             <a:ext cx="10987314" cy="5210629"/>
           </a:xfrm>
@@ -7637,7 +7889,7 @@
           <p:nvPr/>
         </p:nvPicPr>
         <p:blipFill rotWithShape="1">
-          <a:blip r:embed="rId4"/>
+          <a:blip r:embed="rId5"/>
           <a:srcRect l="6010" t="6561" r="68162" b="64187"/>
           <a:stretch/>
         </p:blipFill>
@@ -7657,6 +7909,95 @@
             <a:extLst>
               <a:ext uri="{FF2B5EF4-FFF2-40B4-BE49-F238E27FC236}">
                 <a16:creationId xmlns:a16="http://schemas.microsoft.com/office/drawing/2014/main" id="{8FF660A5-3487-BCD5-5581-7A24FBA58EB5}"/>
+              </a:ext>
+            </a:extLst>
+          </p:cNvPr>
+          <p:cNvPicPr>
+            <a:picLocks noChangeAspect="1"/>
+          </p:cNvPicPr>
+          <p:nvPr/>
+        </p:nvPicPr>
+        <p:blipFill>
+          <a:blip r:embed="rId6"/>
+          <a:stretch>
+            <a:fillRect/>
+          </a:stretch>
+        </p:blipFill>
+        <p:spPr>
+          <a:xfrm>
+            <a:off x="0" y="1117599"/>
+            <a:ext cx="10987312" cy="334769"/>
+          </a:xfrm>
+          <a:prstGeom prst="rect">
+            <a:avLst/>
+          </a:prstGeom>
+        </p:spPr>
+      </p:pic>
+      <p:pic>
+        <p:nvPicPr>
+          <p:cNvPr id="6" name="Picture 5">
+            <a:extLst>
+              <a:ext uri="{FF2B5EF4-FFF2-40B4-BE49-F238E27FC236}">
+                <a16:creationId xmlns:a16="http://schemas.microsoft.com/office/drawing/2014/main" id="{2434FCCB-1992-8EFB-35CA-130A7B718714}"/>
+              </a:ext>
+            </a:extLst>
+          </p:cNvPr>
+          <p:cNvPicPr>
+            <a:picLocks noChangeAspect="1"/>
+          </p:cNvPicPr>
+          <p:nvPr/>
+        </p:nvPicPr>
+        <p:blipFill>
+          <a:blip r:embed="rId7"/>
+          <a:stretch>
+            <a:fillRect/>
+          </a:stretch>
+        </p:blipFill>
+        <p:spPr>
+          <a:xfrm>
+            <a:off x="92597" y="1624916"/>
+            <a:ext cx="9114597" cy="530257"/>
+          </a:xfrm>
+          <a:prstGeom prst="rect">
+            <a:avLst/>
+          </a:prstGeom>
+        </p:spPr>
+      </p:pic>
+      <p:pic>
+        <p:nvPicPr>
+          <p:cNvPr id="4" name="Picture 3">
+            <a:extLst>
+              <a:ext uri="{FF2B5EF4-FFF2-40B4-BE49-F238E27FC236}">
+                <a16:creationId xmlns:a16="http://schemas.microsoft.com/office/drawing/2014/main" id="{C91F96F3-5579-C318-9114-F9A959D1BA77}"/>
+              </a:ext>
+            </a:extLst>
+          </p:cNvPr>
+          <p:cNvPicPr>
+            <a:picLocks noChangeAspect="1"/>
+          </p:cNvPicPr>
+          <p:nvPr/>
+        </p:nvPicPr>
+        <p:blipFill rotWithShape="1">
+          <a:blip r:embed="rId8"/>
+          <a:srcRect l="3630" t="8398" r="84229" b="26189"/>
+          <a:stretch/>
+        </p:blipFill>
+        <p:spPr>
+          <a:xfrm>
+            <a:off x="196596" y="1781187"/>
+            <a:ext cx="1077523" cy="217714"/>
+          </a:xfrm>
+          <a:prstGeom prst="rect">
+            <a:avLst/>
+          </a:prstGeom>
+        </p:spPr>
+      </p:pic>
+      <p:pic>
+        <p:nvPicPr>
+          <p:cNvPr id="7" name="Picture 6">
+            <a:extLst>
+              <a:ext uri="{FF2B5EF4-FFF2-40B4-BE49-F238E27FC236}">
+                <a16:creationId xmlns:a16="http://schemas.microsoft.com/office/drawing/2014/main" id="{EBAD451E-E307-2160-B875-14AE090CCFE3}"/>
               </a:ext>
             </a:extLst>
           </p:cNvPr>
@@ -7673,95 +8014,6 @@
         </p:blipFill>
         <p:spPr>
           <a:xfrm>
-            <a:off x="0" y="1117599"/>
-            <a:ext cx="10987312" cy="334769"/>
-          </a:xfrm>
-          <a:prstGeom prst="rect">
-            <a:avLst/>
-          </a:prstGeom>
-        </p:spPr>
-      </p:pic>
-      <p:pic>
-        <p:nvPicPr>
-          <p:cNvPr id="6" name="Picture 5">
-            <a:extLst>
-              <a:ext uri="{FF2B5EF4-FFF2-40B4-BE49-F238E27FC236}">
-                <a16:creationId xmlns:a16="http://schemas.microsoft.com/office/drawing/2014/main" id="{2434FCCB-1992-8EFB-35CA-130A7B718714}"/>
-              </a:ext>
-            </a:extLst>
-          </p:cNvPr>
-          <p:cNvPicPr>
-            <a:picLocks noChangeAspect="1"/>
-          </p:cNvPicPr>
-          <p:nvPr/>
-        </p:nvPicPr>
-        <p:blipFill>
-          <a:blip r:embed="rId6"/>
-          <a:stretch>
-            <a:fillRect/>
-          </a:stretch>
-        </p:blipFill>
-        <p:spPr>
-          <a:xfrm>
-            <a:off x="92597" y="1624916"/>
-            <a:ext cx="9114597" cy="530257"/>
-          </a:xfrm>
-          <a:prstGeom prst="rect">
-            <a:avLst/>
-          </a:prstGeom>
-        </p:spPr>
-      </p:pic>
-      <p:pic>
-        <p:nvPicPr>
-          <p:cNvPr id="4" name="Picture 3">
-            <a:extLst>
-              <a:ext uri="{FF2B5EF4-FFF2-40B4-BE49-F238E27FC236}">
-                <a16:creationId xmlns:a16="http://schemas.microsoft.com/office/drawing/2014/main" id="{C91F96F3-5579-C318-9114-F9A959D1BA77}"/>
-              </a:ext>
-            </a:extLst>
-          </p:cNvPr>
-          <p:cNvPicPr>
-            <a:picLocks noChangeAspect="1"/>
-          </p:cNvPicPr>
-          <p:nvPr/>
-        </p:nvPicPr>
-        <p:blipFill rotWithShape="1">
-          <a:blip r:embed="rId7"/>
-          <a:srcRect l="3630" t="8398" r="84229" b="26189"/>
-          <a:stretch/>
-        </p:blipFill>
-        <p:spPr>
-          <a:xfrm>
-            <a:off x="196596" y="1781187"/>
-            <a:ext cx="1077523" cy="217714"/>
-          </a:xfrm>
-          <a:prstGeom prst="rect">
-            <a:avLst/>
-          </a:prstGeom>
-        </p:spPr>
-      </p:pic>
-      <p:pic>
-        <p:nvPicPr>
-          <p:cNvPr id="7" name="Picture 6">
-            <a:extLst>
-              <a:ext uri="{FF2B5EF4-FFF2-40B4-BE49-F238E27FC236}">
-                <a16:creationId xmlns:a16="http://schemas.microsoft.com/office/drawing/2014/main" id="{EBAD451E-E307-2160-B875-14AE090CCFE3}"/>
-              </a:ext>
-            </a:extLst>
-          </p:cNvPr>
-          <p:cNvPicPr>
-            <a:picLocks noChangeAspect="1"/>
-          </p:cNvPicPr>
-          <p:nvPr/>
-        </p:nvPicPr>
-        <p:blipFill>
-          <a:blip r:embed="rId4"/>
-          <a:stretch>
-            <a:fillRect/>
-          </a:stretch>
-        </p:blipFill>
-        <p:spPr>
-          <a:xfrm>
             <a:off x="4815402" y="2119085"/>
             <a:ext cx="4391792" cy="3232132"/>
           </a:xfrm>
@@ -7785,7 +8037,7 @@
           <p:nvPr/>
         </p:nvPicPr>
         <p:blipFill rotWithShape="1">
-          <a:blip r:embed="rId8"/>
+          <a:blip r:embed="rId9"/>
           <a:srcRect b="23578"/>
           <a:stretch/>
         </p:blipFill>
@@ -7805,36 +8057,6 @@
             <a:extLst>
               <a:ext uri="{FF2B5EF4-FFF2-40B4-BE49-F238E27FC236}">
                 <a16:creationId xmlns:a16="http://schemas.microsoft.com/office/drawing/2014/main" id="{C8EA4F29-B621-3F92-53C6-1C8643149795}"/>
-              </a:ext>
-            </a:extLst>
-          </p:cNvPr>
-          <p:cNvPicPr>
-            <a:picLocks noChangeAspect="1"/>
-          </p:cNvPicPr>
-          <p:nvPr/>
-        </p:nvPicPr>
-        <p:blipFill>
-          <a:blip r:embed="rId9"/>
-          <a:stretch>
-            <a:fillRect/>
-          </a:stretch>
-        </p:blipFill>
-        <p:spPr>
-          <a:xfrm>
-            <a:off x="125031" y="5351218"/>
-            <a:ext cx="9114597" cy="832050"/>
-          </a:xfrm>
-          <a:prstGeom prst="rect">
-            <a:avLst/>
-          </a:prstGeom>
-        </p:spPr>
-      </p:pic>
-      <p:pic>
-        <p:nvPicPr>
-          <p:cNvPr id="11" name="Picture 10">
-            <a:extLst>
-              <a:ext uri="{FF2B5EF4-FFF2-40B4-BE49-F238E27FC236}">
-                <a16:creationId xmlns:a16="http://schemas.microsoft.com/office/drawing/2014/main" id="{2D9F402F-492B-4695-ACD1-743BE1D11C95}"/>
               </a:ext>
             </a:extLst>
           </p:cNvPr>
@@ -7851,20 +8073,20 @@
         </p:blipFill>
         <p:spPr>
           <a:xfrm>
-            <a:off x="2744875" y="2749582"/>
-            <a:ext cx="1602238" cy="1467743"/>
-          </a:xfrm>
-          <a:prstGeom prst="rect">
-            <a:avLst/>
-          </a:prstGeom>
-        </p:spPr>
-      </p:pic>
-      <p:pic>
-        <p:nvPicPr>
-          <p:cNvPr id="14" name="Picture 13">
-            <a:extLst>
-              <a:ext uri="{FF2B5EF4-FFF2-40B4-BE49-F238E27FC236}">
-                <a16:creationId xmlns:a16="http://schemas.microsoft.com/office/drawing/2014/main" id="{569BFBCB-0ED2-7542-95D3-1FD68D67ADE6}"/>
+            <a:off x="125031" y="5351218"/>
+            <a:ext cx="9114597" cy="832050"/>
+          </a:xfrm>
+          <a:prstGeom prst="rect">
+            <a:avLst/>
+          </a:prstGeom>
+        </p:spPr>
+      </p:pic>
+      <p:pic>
+        <p:nvPicPr>
+          <p:cNvPr id="11" name="Picture 10">
+            <a:extLst>
+              <a:ext uri="{FF2B5EF4-FFF2-40B4-BE49-F238E27FC236}">
+                <a16:creationId xmlns:a16="http://schemas.microsoft.com/office/drawing/2014/main" id="{2D9F402F-492B-4695-ACD1-743BE1D11C95}"/>
               </a:ext>
             </a:extLst>
           </p:cNvPr>
@@ -7881,78 +8103,20 @@
         </p:blipFill>
         <p:spPr>
           <a:xfrm>
-            <a:off x="2963946" y="4797559"/>
-            <a:ext cx="1246821" cy="474536"/>
-          </a:xfrm>
-          <a:prstGeom prst="rect">
-            <a:avLst/>
-          </a:prstGeom>
-        </p:spPr>
-      </p:pic>
-      <p:pic>
-        <p:nvPicPr>
-          <p:cNvPr id="15" name="Picture 14">
-            <a:extLst>
-              <a:ext uri="{FF2B5EF4-FFF2-40B4-BE49-F238E27FC236}">
-                <a16:creationId xmlns:a16="http://schemas.microsoft.com/office/drawing/2014/main" id="{B855C8FF-F3B7-3953-5BB2-A3D26E651057}"/>
-              </a:ext>
-            </a:extLst>
-          </p:cNvPr>
-          <p:cNvPicPr>
-            <a:picLocks noChangeAspect="1"/>
-          </p:cNvPicPr>
-          <p:nvPr/>
-        </p:nvPicPr>
-        <p:blipFill rotWithShape="1">
-          <a:blip r:embed="rId9"/>
-          <a:srcRect r="56442"/>
-          <a:stretch/>
-        </p:blipFill>
-        <p:spPr>
-          <a:xfrm>
-            <a:off x="92597" y="5355430"/>
-            <a:ext cx="6003404" cy="832050"/>
-          </a:xfrm>
-          <a:prstGeom prst="rect">
-            <a:avLst/>
-          </a:prstGeom>
-        </p:spPr>
-      </p:pic>
-      <p:pic>
-        <p:nvPicPr>
-          <p:cNvPr id="16" name="Picture 15">
-            <a:extLst>
-              <a:ext uri="{FF2B5EF4-FFF2-40B4-BE49-F238E27FC236}">
-                <a16:creationId xmlns:a16="http://schemas.microsoft.com/office/drawing/2014/main" id="{21F8070D-9A44-F1D6-F7F0-50D0F440281F}"/>
-              </a:ext>
-            </a:extLst>
-          </p:cNvPr>
-          <p:cNvPicPr>
-            <a:picLocks noChangeAspect="1"/>
-          </p:cNvPicPr>
-          <p:nvPr/>
-        </p:nvPicPr>
-        <p:blipFill rotWithShape="1">
-          <a:blip r:embed="rId9"/>
-          <a:srcRect l="16256" r="37901"/>
-          <a:stretch/>
-        </p:blipFill>
-        <p:spPr>
-          <a:xfrm>
-            <a:off x="2384386" y="5422646"/>
-            <a:ext cx="4027990" cy="737283"/>
-          </a:xfrm>
-          <a:prstGeom prst="rect">
-            <a:avLst/>
-          </a:prstGeom>
-        </p:spPr>
-      </p:pic>
-      <p:pic>
-        <p:nvPicPr>
-          <p:cNvPr id="18" name="Picture 17">
-            <a:extLst>
-              <a:ext uri="{FF2B5EF4-FFF2-40B4-BE49-F238E27FC236}">
-                <a16:creationId xmlns:a16="http://schemas.microsoft.com/office/drawing/2014/main" id="{14EA8CBB-F6E5-49B3-947A-20819624EACA}"/>
+            <a:off x="2744875" y="2749582"/>
+            <a:ext cx="1602238" cy="1467743"/>
+          </a:xfrm>
+          <a:prstGeom prst="rect">
+            <a:avLst/>
+          </a:prstGeom>
+        </p:spPr>
+      </p:pic>
+      <p:pic>
+        <p:nvPicPr>
+          <p:cNvPr id="14" name="Picture 13">
+            <a:extLst>
+              <a:ext uri="{FF2B5EF4-FFF2-40B4-BE49-F238E27FC236}">
+                <a16:creationId xmlns:a16="http://schemas.microsoft.com/office/drawing/2014/main" id="{569BFBCB-0ED2-7542-95D3-1FD68D67ADE6}"/>
               </a:ext>
             </a:extLst>
           </p:cNvPr>
@@ -7969,6 +8133,94 @@
         </p:blipFill>
         <p:spPr>
           <a:xfrm>
+            <a:off x="2963946" y="4797559"/>
+            <a:ext cx="1246821" cy="474536"/>
+          </a:xfrm>
+          <a:prstGeom prst="rect">
+            <a:avLst/>
+          </a:prstGeom>
+        </p:spPr>
+      </p:pic>
+      <p:pic>
+        <p:nvPicPr>
+          <p:cNvPr id="15" name="Picture 14">
+            <a:extLst>
+              <a:ext uri="{FF2B5EF4-FFF2-40B4-BE49-F238E27FC236}">
+                <a16:creationId xmlns:a16="http://schemas.microsoft.com/office/drawing/2014/main" id="{B855C8FF-F3B7-3953-5BB2-A3D26E651057}"/>
+              </a:ext>
+            </a:extLst>
+          </p:cNvPr>
+          <p:cNvPicPr>
+            <a:picLocks noChangeAspect="1"/>
+          </p:cNvPicPr>
+          <p:nvPr/>
+        </p:nvPicPr>
+        <p:blipFill rotWithShape="1">
+          <a:blip r:embed="rId10"/>
+          <a:srcRect r="56442"/>
+          <a:stretch/>
+        </p:blipFill>
+        <p:spPr>
+          <a:xfrm>
+            <a:off x="92597" y="5355430"/>
+            <a:ext cx="6003404" cy="832050"/>
+          </a:xfrm>
+          <a:prstGeom prst="rect">
+            <a:avLst/>
+          </a:prstGeom>
+        </p:spPr>
+      </p:pic>
+      <p:pic>
+        <p:nvPicPr>
+          <p:cNvPr id="16" name="Picture 15">
+            <a:extLst>
+              <a:ext uri="{FF2B5EF4-FFF2-40B4-BE49-F238E27FC236}">
+                <a16:creationId xmlns:a16="http://schemas.microsoft.com/office/drawing/2014/main" id="{21F8070D-9A44-F1D6-F7F0-50D0F440281F}"/>
+              </a:ext>
+            </a:extLst>
+          </p:cNvPr>
+          <p:cNvPicPr>
+            <a:picLocks noChangeAspect="1"/>
+          </p:cNvPicPr>
+          <p:nvPr/>
+        </p:nvPicPr>
+        <p:blipFill rotWithShape="1">
+          <a:blip r:embed="rId10"/>
+          <a:srcRect l="16256" r="37901"/>
+          <a:stretch/>
+        </p:blipFill>
+        <p:spPr>
+          <a:xfrm>
+            <a:off x="2384386" y="5422646"/>
+            <a:ext cx="4027990" cy="737283"/>
+          </a:xfrm>
+          <a:prstGeom prst="rect">
+            <a:avLst/>
+          </a:prstGeom>
+        </p:spPr>
+      </p:pic>
+      <p:pic>
+        <p:nvPicPr>
+          <p:cNvPr id="18" name="Picture 17">
+            <a:extLst>
+              <a:ext uri="{FF2B5EF4-FFF2-40B4-BE49-F238E27FC236}">
+                <a16:creationId xmlns:a16="http://schemas.microsoft.com/office/drawing/2014/main" id="{14EA8CBB-F6E5-49B3-947A-20819624EACA}"/>
+              </a:ext>
+            </a:extLst>
+          </p:cNvPr>
+          <p:cNvPicPr>
+            <a:picLocks noChangeAspect="1"/>
+          </p:cNvPicPr>
+          <p:nvPr/>
+        </p:nvPicPr>
+        <p:blipFill>
+          <a:blip r:embed="rId13"/>
+          <a:stretch>
+            <a:fillRect/>
+          </a:stretch>
+        </p:blipFill>
+        <p:spPr>
+          <a:xfrm>
             <a:off x="2920809" y="4327812"/>
             <a:ext cx="1209661" cy="549066"/>
           </a:xfrm>
@@ -7992,7 +8244,7 @@
           <p:nvPr/>
         </p:nvPicPr>
         <p:blipFill rotWithShape="1">
-          <a:blip r:embed="rId13"/>
+          <a:blip r:embed="rId14"/>
           <a:srcRect r="69251" b="53810"/>
           <a:stretch/>
         </p:blipFill>
@@ -8021,7 +8273,7 @@
           <p:nvPr/>
         </p:nvPicPr>
         <p:blipFill rotWithShape="1">
-          <a:blip r:embed="rId13"/>
+          <a:blip r:embed="rId14"/>
           <a:srcRect t="35743" r="348"/>
           <a:stretch/>
         </p:blipFill>
@@ -8050,7 +8302,7 @@
           <p:nvPr/>
         </p:nvPicPr>
         <p:blipFill rotWithShape="1">
-          <a:blip r:embed="rId13"/>
+          <a:blip r:embed="rId14"/>
           <a:srcRect r="69251" b="53810"/>
           <a:stretch/>
         </p:blipFill>
@@ -8079,7 +8331,7 @@
           <p:nvPr/>
         </p:nvPicPr>
         <p:blipFill rotWithShape="1">
-          <a:blip r:embed="rId13"/>
+          <a:blip r:embed="rId14"/>
           <a:srcRect t="35743" r="348"/>
           <a:stretch/>
         </p:blipFill>
@@ -8108,7 +8360,7 @@
           <p:nvPr/>
         </p:nvPicPr>
         <p:blipFill rotWithShape="1">
-          <a:blip r:embed="rId13"/>
+          <a:blip r:embed="rId14"/>
           <a:srcRect r="69251" b="53810"/>
           <a:stretch/>
         </p:blipFill>
@@ -8137,7 +8389,7 @@
           <p:nvPr/>
         </p:nvPicPr>
         <p:blipFill rotWithShape="1">
-          <a:blip r:embed="rId13"/>
+          <a:blip r:embed="rId14"/>
           <a:srcRect r="69251" b="53810"/>
           <a:stretch/>
         </p:blipFill>
@@ -8166,7 +8418,7 @@
           <p:nvPr/>
         </p:nvPicPr>
         <p:blipFill rotWithShape="1">
-          <a:blip r:embed="rId13"/>
+          <a:blip r:embed="rId14"/>
           <a:srcRect t="35743" r="348"/>
           <a:stretch/>
         </p:blipFill>
@@ -9081,36 +9333,6 @@
           <p:nvPr/>
         </p:nvPicPr>
         <p:blipFill>
-          <a:blip r:embed="rId14"/>
-          <a:stretch>
-            <a:fillRect/>
-          </a:stretch>
-        </p:blipFill>
-        <p:spPr>
-          <a:xfrm>
-            <a:off x="0" y="-32810"/>
-            <a:ext cx="12192000" cy="6890810"/>
-          </a:xfrm>
-          <a:prstGeom prst="rect">
-            <a:avLst/>
-          </a:prstGeom>
-        </p:spPr>
-      </p:pic>
-      <p:pic>
-        <p:nvPicPr>
-          <p:cNvPr id="55" name="Picture 54">
-            <a:extLst>
-              <a:ext uri="{FF2B5EF4-FFF2-40B4-BE49-F238E27FC236}">
-                <a16:creationId xmlns:a16="http://schemas.microsoft.com/office/drawing/2014/main" id="{650EACC2-6C07-78C0-414E-6CAFDBC2D0F7}"/>
-              </a:ext>
-            </a:extLst>
-          </p:cNvPr>
-          <p:cNvPicPr>
-            <a:picLocks noChangeAspect="1"/>
-          </p:cNvPicPr>
-          <p:nvPr/>
-        </p:nvPicPr>
-        <p:blipFill>
           <a:blip r:embed="rId15"/>
           <a:stretch>
             <a:fillRect/>
@@ -9118,20 +9340,20 @@
         </p:blipFill>
         <p:spPr>
           <a:xfrm>
-            <a:off x="316830" y="774260"/>
-            <a:ext cx="7315200" cy="5372100"/>
-          </a:xfrm>
-          <a:prstGeom prst="rect">
-            <a:avLst/>
-          </a:prstGeom>
-        </p:spPr>
-      </p:pic>
-      <p:pic>
-        <p:nvPicPr>
-          <p:cNvPr id="59" name="Picture 58">
-            <a:extLst>
-              <a:ext uri="{FF2B5EF4-FFF2-40B4-BE49-F238E27FC236}">
-                <a16:creationId xmlns:a16="http://schemas.microsoft.com/office/drawing/2014/main" id="{D8720857-BA42-F903-C928-B1F593EE1BF0}"/>
+            <a:off x="-3601" y="-23532"/>
+            <a:ext cx="12192000" cy="6890810"/>
+          </a:xfrm>
+          <a:prstGeom prst="rect">
+            <a:avLst/>
+          </a:prstGeom>
+        </p:spPr>
+      </p:pic>
+      <p:pic>
+        <p:nvPicPr>
+          <p:cNvPr id="55" name="Picture 54">
+            <a:extLst>
+              <a:ext uri="{FF2B5EF4-FFF2-40B4-BE49-F238E27FC236}">
+                <a16:creationId xmlns:a16="http://schemas.microsoft.com/office/drawing/2014/main" id="{650EACC2-6C07-78C0-414E-6CAFDBC2D0F7}"/>
               </a:ext>
             </a:extLst>
           </p:cNvPr>
@@ -9148,6 +9370,36 @@
         </p:blipFill>
         <p:spPr>
           <a:xfrm>
+            <a:off x="316830" y="774260"/>
+            <a:ext cx="7315200" cy="5372100"/>
+          </a:xfrm>
+          <a:prstGeom prst="rect">
+            <a:avLst/>
+          </a:prstGeom>
+        </p:spPr>
+      </p:pic>
+      <p:pic>
+        <p:nvPicPr>
+          <p:cNvPr id="59" name="Picture 58">
+            <a:extLst>
+              <a:ext uri="{FF2B5EF4-FFF2-40B4-BE49-F238E27FC236}">
+                <a16:creationId xmlns:a16="http://schemas.microsoft.com/office/drawing/2014/main" id="{D8720857-BA42-F903-C928-B1F593EE1BF0}"/>
+              </a:ext>
+            </a:extLst>
+          </p:cNvPr>
+          <p:cNvPicPr>
+            <a:picLocks noChangeAspect="1"/>
+          </p:cNvPicPr>
+          <p:nvPr/>
+        </p:nvPicPr>
+        <p:blipFill>
+          <a:blip r:embed="rId17"/>
+          <a:stretch>
+            <a:fillRect/>
+          </a:stretch>
+        </p:blipFill>
+        <p:spPr>
+          <a:xfrm>
             <a:off x="5123409" y="637421"/>
             <a:ext cx="7277529" cy="5344435"/>
           </a:xfrm>
@@ -9170,13 +9422,15 @@
         </p:nvSpPr>
         <p:spPr>
           <a:xfrm>
-            <a:off x="390609" y="-32810"/>
+            <a:off x="7130945" y="117640"/>
             <a:ext cx="1932512" cy="369332"/>
           </a:xfrm>
           <a:prstGeom prst="rect">
             <a:avLst/>
           </a:prstGeom>
-          <a:noFill/>
+          <a:solidFill>
+            <a:srgbClr val="FFE7DA"/>
+          </a:solidFill>
         </p:spPr>
         <p:txBody>
           <a:bodyPr wrap="square" rtlCol="0">
@@ -9195,6 +9449,173 @@
               </a:rPr>
               <a:t>dfdfdf</a:t>
             </a:r>
+          </a:p>
+        </p:txBody>
+      </p:sp>
+      <p:pic>
+        <p:nvPicPr>
+          <p:cNvPr id="61" name="Picture 60">
+            <a:extLst>
+              <a:ext uri="{FF2B5EF4-FFF2-40B4-BE49-F238E27FC236}">
+                <a16:creationId xmlns:a16="http://schemas.microsoft.com/office/drawing/2014/main" id="{C96E857D-9BCC-B9FA-ABF5-74CFA0730512}"/>
+              </a:ext>
+            </a:extLst>
+          </p:cNvPr>
+          <p:cNvPicPr>
+            <a:picLocks noChangeAspect="1"/>
+          </p:cNvPicPr>
+          <p:nvPr/>
+        </p:nvPicPr>
+        <p:blipFill>
+          <a:blip r:embed="rId18"/>
+          <a:stretch>
+            <a:fillRect/>
+          </a:stretch>
+        </p:blipFill>
+        <p:spPr>
+          <a:xfrm>
+            <a:off x="5734182" y="701003"/>
+            <a:ext cx="4598479" cy="2150368"/>
+          </a:xfrm>
+          <a:prstGeom prst="rect">
+            <a:avLst/>
+          </a:prstGeom>
+          <a:ln>
+            <a:solidFill>
+              <a:srgbClr val="F7C18B"/>
+            </a:solidFill>
+          </a:ln>
+        </p:spPr>
+      </p:pic>
+      <p:sp>
+        <p:nvSpPr>
+          <p:cNvPr id="62" name="TextBox 61">
+            <a:extLst>
+              <a:ext uri="{FF2B5EF4-FFF2-40B4-BE49-F238E27FC236}">
+                <a16:creationId xmlns:a16="http://schemas.microsoft.com/office/drawing/2014/main" id="{81498636-BBD7-98B7-1EAF-EAE786A6F523}"/>
+              </a:ext>
+            </a:extLst>
+          </p:cNvPr>
+          <p:cNvSpPr txBox="1"/>
+          <p:nvPr/>
+        </p:nvSpPr>
+        <p:spPr>
+          <a:xfrm>
+            <a:off x="4527400" y="129604"/>
+            <a:ext cx="1932512" cy="369332"/>
+          </a:xfrm>
+          <a:prstGeom prst="rect">
+            <a:avLst/>
+          </a:prstGeom>
+          <a:solidFill>
+            <a:srgbClr val="F7E2CC"/>
+          </a:solidFill>
+        </p:spPr>
+        <p:txBody>
+          <a:bodyPr wrap="square" rtlCol="0">
+            <a:spAutoFit/>
+          </a:bodyPr>
+          <a:lstStyle/>
+          <a:p>
+            <a:r>
+              <a:rPr lang="en-BR" dirty="0">
+                <a:solidFill>
+                  <a:schemeClr val="tx1">
+                    <a:lumMod val="65000"/>
+                    <a:lumOff val="35000"/>
+                  </a:schemeClr>
+                </a:solidFill>
+              </a:rPr>
+              <a:t>dfdfdf</a:t>
+            </a:r>
+          </a:p>
+        </p:txBody>
+      </p:sp>
+      <p:pic>
+        <p:nvPicPr>
+          <p:cNvPr id="63" name="Picture 62">
+            <a:extLst>
+              <a:ext uri="{FF2B5EF4-FFF2-40B4-BE49-F238E27FC236}">
+                <a16:creationId xmlns:a16="http://schemas.microsoft.com/office/drawing/2014/main" id="{75DEC5AD-C49E-05C0-4C53-D4F1230C7502}"/>
+              </a:ext>
+            </a:extLst>
+          </p:cNvPr>
+          <p:cNvPicPr>
+            <a:picLocks noChangeAspect="1"/>
+          </p:cNvPicPr>
+          <p:nvPr/>
+        </p:nvPicPr>
+        <p:blipFill>
+          <a:blip r:embed="rId19"/>
+          <a:stretch>
+            <a:fillRect/>
+          </a:stretch>
+        </p:blipFill>
+        <p:spPr>
+          <a:xfrm>
+            <a:off x="5434888" y="3785630"/>
+            <a:ext cx="2641600" cy="1079500"/>
+          </a:xfrm>
+          <a:prstGeom prst="rect">
+            <a:avLst/>
+          </a:prstGeom>
+        </p:spPr>
+      </p:pic>
+      <p:sp>
+        <p:nvSpPr>
+          <p:cNvPr id="1024" name="Rectangle 1023">
+            <a:extLst>
+              <a:ext uri="{FF2B5EF4-FFF2-40B4-BE49-F238E27FC236}">
+                <a16:creationId xmlns:a16="http://schemas.microsoft.com/office/drawing/2014/main" id="{77AFD815-4468-18CF-0A19-0EC79B82C2C4}"/>
+              </a:ext>
+            </a:extLst>
+          </p:cNvPr>
+          <p:cNvSpPr/>
+          <p:nvPr/>
+        </p:nvSpPr>
+        <p:spPr>
+          <a:xfrm>
+            <a:off x="6015004" y="3023919"/>
+            <a:ext cx="1322139" cy="502585"/>
+          </a:xfrm>
+          <a:prstGeom prst="rect">
+            <a:avLst/>
+          </a:prstGeom>
+          <a:solidFill>
+            <a:srgbClr val="000000">
+              <a:alpha val="21176"/>
+            </a:srgbClr>
+          </a:solidFill>
+          <a:ln>
+            <a:solidFill>
+              <a:schemeClr val="bg1">
+                <a:lumMod val="75000"/>
+              </a:schemeClr>
+            </a:solidFill>
+          </a:ln>
+        </p:spPr>
+        <p:style>
+          <a:lnRef idx="2">
+            <a:schemeClr val="accent1">
+              <a:shade val="50000"/>
+            </a:schemeClr>
+          </a:lnRef>
+          <a:fillRef idx="1">
+            <a:schemeClr val="accent1"/>
+          </a:fillRef>
+          <a:effectRef idx="0">
+            <a:schemeClr val="accent1"/>
+          </a:effectRef>
+          <a:fontRef idx="minor">
+            <a:schemeClr val="lt1"/>
+          </a:fontRef>
+        </p:style>
+        <p:txBody>
+          <a:bodyPr rtlCol="0" anchor="ctr"/>
+          <a:lstStyle/>
+          <a:p>
+            <a:pPr algn="ctr"/>
+            <a:endParaRPr lang="en-BR"/>
           </a:p>
         </p:txBody>
       </p:sp>
@@ -9243,36 +9664,6 @@
           <p:nvPr/>
         </p:nvPicPr>
         <p:blipFill>
-          <a:blip r:embed="rId2"/>
-          <a:stretch>
-            <a:fillRect/>
-          </a:stretch>
-        </p:blipFill>
-        <p:spPr>
-          <a:xfrm>
-            <a:off x="0" y="0"/>
-            <a:ext cx="10987314" cy="6858486"/>
-          </a:xfrm>
-          <a:prstGeom prst="rect">
-            <a:avLst/>
-          </a:prstGeom>
-        </p:spPr>
-      </p:pic>
-      <p:pic>
-        <p:nvPicPr>
-          <p:cNvPr id="2" name="Picture 1">
-            <a:extLst>
-              <a:ext uri="{FF2B5EF4-FFF2-40B4-BE49-F238E27FC236}">
-                <a16:creationId xmlns:a16="http://schemas.microsoft.com/office/drawing/2014/main" id="{AAB98E17-1B60-6AF0-2B58-23D29B60A7E8}"/>
-              </a:ext>
-            </a:extLst>
-          </p:cNvPr>
-          <p:cNvPicPr>
-            <a:picLocks noChangeAspect="1"/>
-          </p:cNvPicPr>
-          <p:nvPr/>
-        </p:nvPicPr>
-        <p:blipFill>
           <a:blip r:embed="rId3"/>
           <a:stretch>
             <a:fillRect/>
@@ -9280,20 +9671,20 @@
         </p:blipFill>
         <p:spPr>
           <a:xfrm>
-            <a:off x="0" y="1117600"/>
-            <a:ext cx="10987314" cy="5210629"/>
-          </a:xfrm>
-          <a:prstGeom prst="rect">
-            <a:avLst/>
-          </a:prstGeom>
-        </p:spPr>
-      </p:pic>
-      <p:pic>
-        <p:nvPicPr>
-          <p:cNvPr id="3" name="Picture 2">
-            <a:extLst>
-              <a:ext uri="{FF2B5EF4-FFF2-40B4-BE49-F238E27FC236}">
-                <a16:creationId xmlns:a16="http://schemas.microsoft.com/office/drawing/2014/main" id="{F676C402-8F09-9ADF-DB97-24DD08A690F4}"/>
+            <a:off x="0" y="0"/>
+            <a:ext cx="10987314" cy="6858486"/>
+          </a:xfrm>
+          <a:prstGeom prst="rect">
+            <a:avLst/>
+          </a:prstGeom>
+        </p:spPr>
+      </p:pic>
+      <p:pic>
+        <p:nvPicPr>
+          <p:cNvPr id="2" name="Picture 1">
+            <a:extLst>
+              <a:ext uri="{FF2B5EF4-FFF2-40B4-BE49-F238E27FC236}">
+                <a16:creationId xmlns:a16="http://schemas.microsoft.com/office/drawing/2014/main" id="{AAB98E17-1B60-6AF0-2B58-23D29B60A7E8}"/>
               </a:ext>
             </a:extLst>
           </p:cNvPr>
@@ -9310,6 +9701,36 @@
         </p:blipFill>
         <p:spPr>
           <a:xfrm>
+            <a:off x="0" y="1117600"/>
+            <a:ext cx="10987314" cy="5210629"/>
+          </a:xfrm>
+          <a:prstGeom prst="rect">
+            <a:avLst/>
+          </a:prstGeom>
+        </p:spPr>
+      </p:pic>
+      <p:pic>
+        <p:nvPicPr>
+          <p:cNvPr id="3" name="Picture 2">
+            <a:extLst>
+              <a:ext uri="{FF2B5EF4-FFF2-40B4-BE49-F238E27FC236}">
+                <a16:creationId xmlns:a16="http://schemas.microsoft.com/office/drawing/2014/main" id="{F676C402-8F09-9ADF-DB97-24DD08A690F4}"/>
+              </a:ext>
+            </a:extLst>
+          </p:cNvPr>
+          <p:cNvPicPr>
+            <a:picLocks noChangeAspect="1"/>
+          </p:cNvPicPr>
+          <p:nvPr/>
+        </p:nvPicPr>
+        <p:blipFill>
+          <a:blip r:embed="rId5"/>
+          <a:stretch>
+            <a:fillRect/>
+          </a:stretch>
+        </p:blipFill>
+        <p:spPr>
+          <a:xfrm>
             <a:off x="-1" y="1117600"/>
             <a:ext cx="10987313" cy="5210628"/>
           </a:xfrm>
@@ -9333,7 +9754,7 @@
           <p:nvPr/>
         </p:nvPicPr>
         <p:blipFill rotWithShape="1">
-          <a:blip r:embed="rId5"/>
+          <a:blip r:embed="rId6"/>
           <a:srcRect l="6010" t="6561" r="68162" b="64187"/>
           <a:stretch/>
         </p:blipFill>
@@ -9353,6 +9774,95 @@
             <a:extLst>
               <a:ext uri="{FF2B5EF4-FFF2-40B4-BE49-F238E27FC236}">
                 <a16:creationId xmlns:a16="http://schemas.microsoft.com/office/drawing/2014/main" id="{8FF660A5-3487-BCD5-5581-7A24FBA58EB5}"/>
+              </a:ext>
+            </a:extLst>
+          </p:cNvPr>
+          <p:cNvPicPr>
+            <a:picLocks noChangeAspect="1"/>
+          </p:cNvPicPr>
+          <p:nvPr/>
+        </p:nvPicPr>
+        <p:blipFill>
+          <a:blip r:embed="rId7"/>
+          <a:stretch>
+            <a:fillRect/>
+          </a:stretch>
+        </p:blipFill>
+        <p:spPr>
+          <a:xfrm>
+            <a:off x="0" y="1117599"/>
+            <a:ext cx="10987312" cy="334769"/>
+          </a:xfrm>
+          <a:prstGeom prst="rect">
+            <a:avLst/>
+          </a:prstGeom>
+        </p:spPr>
+      </p:pic>
+      <p:pic>
+        <p:nvPicPr>
+          <p:cNvPr id="6" name="Picture 5">
+            <a:extLst>
+              <a:ext uri="{FF2B5EF4-FFF2-40B4-BE49-F238E27FC236}">
+                <a16:creationId xmlns:a16="http://schemas.microsoft.com/office/drawing/2014/main" id="{2434FCCB-1992-8EFB-35CA-130A7B718714}"/>
+              </a:ext>
+            </a:extLst>
+          </p:cNvPr>
+          <p:cNvPicPr>
+            <a:picLocks noChangeAspect="1"/>
+          </p:cNvPicPr>
+          <p:nvPr/>
+        </p:nvPicPr>
+        <p:blipFill>
+          <a:blip r:embed="rId8"/>
+          <a:stretch>
+            <a:fillRect/>
+          </a:stretch>
+        </p:blipFill>
+        <p:spPr>
+          <a:xfrm>
+            <a:off x="92597" y="1624916"/>
+            <a:ext cx="9114597" cy="530257"/>
+          </a:xfrm>
+          <a:prstGeom prst="rect">
+            <a:avLst/>
+          </a:prstGeom>
+        </p:spPr>
+      </p:pic>
+      <p:pic>
+        <p:nvPicPr>
+          <p:cNvPr id="4" name="Picture 3">
+            <a:extLst>
+              <a:ext uri="{FF2B5EF4-FFF2-40B4-BE49-F238E27FC236}">
+                <a16:creationId xmlns:a16="http://schemas.microsoft.com/office/drawing/2014/main" id="{C91F96F3-5579-C318-9114-F9A959D1BA77}"/>
+              </a:ext>
+            </a:extLst>
+          </p:cNvPr>
+          <p:cNvPicPr>
+            <a:picLocks noChangeAspect="1"/>
+          </p:cNvPicPr>
+          <p:nvPr/>
+        </p:nvPicPr>
+        <p:blipFill rotWithShape="1">
+          <a:blip r:embed="rId9"/>
+          <a:srcRect l="3630" t="8398" r="84229" b="26189"/>
+          <a:stretch/>
+        </p:blipFill>
+        <p:spPr>
+          <a:xfrm>
+            <a:off x="196596" y="1781187"/>
+            <a:ext cx="1077523" cy="217714"/>
+          </a:xfrm>
+          <a:prstGeom prst="rect">
+            <a:avLst/>
+          </a:prstGeom>
+        </p:spPr>
+      </p:pic>
+      <p:pic>
+        <p:nvPicPr>
+          <p:cNvPr id="7" name="Picture 6">
+            <a:extLst>
+              <a:ext uri="{FF2B5EF4-FFF2-40B4-BE49-F238E27FC236}">
+                <a16:creationId xmlns:a16="http://schemas.microsoft.com/office/drawing/2014/main" id="{EBAD451E-E307-2160-B875-14AE090CCFE3}"/>
               </a:ext>
             </a:extLst>
           </p:cNvPr>
@@ -9369,95 +9879,6 @@
         </p:blipFill>
         <p:spPr>
           <a:xfrm>
-            <a:off x="0" y="1117599"/>
-            <a:ext cx="10987312" cy="334769"/>
-          </a:xfrm>
-          <a:prstGeom prst="rect">
-            <a:avLst/>
-          </a:prstGeom>
-        </p:spPr>
-      </p:pic>
-      <p:pic>
-        <p:nvPicPr>
-          <p:cNvPr id="6" name="Picture 5">
-            <a:extLst>
-              <a:ext uri="{FF2B5EF4-FFF2-40B4-BE49-F238E27FC236}">
-                <a16:creationId xmlns:a16="http://schemas.microsoft.com/office/drawing/2014/main" id="{2434FCCB-1992-8EFB-35CA-130A7B718714}"/>
-              </a:ext>
-            </a:extLst>
-          </p:cNvPr>
-          <p:cNvPicPr>
-            <a:picLocks noChangeAspect="1"/>
-          </p:cNvPicPr>
-          <p:nvPr/>
-        </p:nvPicPr>
-        <p:blipFill>
-          <a:blip r:embed="rId7"/>
-          <a:stretch>
-            <a:fillRect/>
-          </a:stretch>
-        </p:blipFill>
-        <p:spPr>
-          <a:xfrm>
-            <a:off x="92597" y="1624916"/>
-            <a:ext cx="9114597" cy="530257"/>
-          </a:xfrm>
-          <a:prstGeom prst="rect">
-            <a:avLst/>
-          </a:prstGeom>
-        </p:spPr>
-      </p:pic>
-      <p:pic>
-        <p:nvPicPr>
-          <p:cNvPr id="4" name="Picture 3">
-            <a:extLst>
-              <a:ext uri="{FF2B5EF4-FFF2-40B4-BE49-F238E27FC236}">
-                <a16:creationId xmlns:a16="http://schemas.microsoft.com/office/drawing/2014/main" id="{C91F96F3-5579-C318-9114-F9A959D1BA77}"/>
-              </a:ext>
-            </a:extLst>
-          </p:cNvPr>
-          <p:cNvPicPr>
-            <a:picLocks noChangeAspect="1"/>
-          </p:cNvPicPr>
-          <p:nvPr/>
-        </p:nvPicPr>
-        <p:blipFill rotWithShape="1">
-          <a:blip r:embed="rId8"/>
-          <a:srcRect l="3630" t="8398" r="84229" b="26189"/>
-          <a:stretch/>
-        </p:blipFill>
-        <p:spPr>
-          <a:xfrm>
-            <a:off x="196596" y="1781187"/>
-            <a:ext cx="1077523" cy="217714"/>
-          </a:xfrm>
-          <a:prstGeom prst="rect">
-            <a:avLst/>
-          </a:prstGeom>
-        </p:spPr>
-      </p:pic>
-      <p:pic>
-        <p:nvPicPr>
-          <p:cNvPr id="7" name="Picture 6">
-            <a:extLst>
-              <a:ext uri="{FF2B5EF4-FFF2-40B4-BE49-F238E27FC236}">
-                <a16:creationId xmlns:a16="http://schemas.microsoft.com/office/drawing/2014/main" id="{EBAD451E-E307-2160-B875-14AE090CCFE3}"/>
-              </a:ext>
-            </a:extLst>
-          </p:cNvPr>
-          <p:cNvPicPr>
-            <a:picLocks noChangeAspect="1"/>
-          </p:cNvPicPr>
-          <p:nvPr/>
-        </p:nvPicPr>
-        <p:blipFill>
-          <a:blip r:embed="rId5"/>
-          <a:stretch>
-            <a:fillRect/>
-          </a:stretch>
-        </p:blipFill>
-        <p:spPr>
-          <a:xfrm>
             <a:off x="4815402" y="2119085"/>
             <a:ext cx="4391792" cy="3232132"/>
           </a:xfrm>
@@ -9481,7 +9902,7 @@
           <p:nvPr/>
         </p:nvPicPr>
         <p:blipFill rotWithShape="1">
-          <a:blip r:embed="rId9"/>
+          <a:blip r:embed="rId10"/>
           <a:srcRect b="23578"/>
           <a:stretch/>
         </p:blipFill>
@@ -9501,36 +9922,6 @@
             <a:extLst>
               <a:ext uri="{FF2B5EF4-FFF2-40B4-BE49-F238E27FC236}">
                 <a16:creationId xmlns:a16="http://schemas.microsoft.com/office/drawing/2014/main" id="{C8EA4F29-B621-3F92-53C6-1C8643149795}"/>
-              </a:ext>
-            </a:extLst>
-          </p:cNvPr>
-          <p:cNvPicPr>
-            <a:picLocks noChangeAspect="1"/>
-          </p:cNvPicPr>
-          <p:nvPr/>
-        </p:nvPicPr>
-        <p:blipFill>
-          <a:blip r:embed="rId10"/>
-          <a:stretch>
-            <a:fillRect/>
-          </a:stretch>
-        </p:blipFill>
-        <p:spPr>
-          <a:xfrm>
-            <a:off x="125031" y="5351218"/>
-            <a:ext cx="9114597" cy="832050"/>
-          </a:xfrm>
-          <a:prstGeom prst="rect">
-            <a:avLst/>
-          </a:prstGeom>
-        </p:spPr>
-      </p:pic>
-      <p:pic>
-        <p:nvPicPr>
-          <p:cNvPr id="11" name="Picture 10">
-            <a:extLst>
-              <a:ext uri="{FF2B5EF4-FFF2-40B4-BE49-F238E27FC236}">
-                <a16:creationId xmlns:a16="http://schemas.microsoft.com/office/drawing/2014/main" id="{2D9F402F-492B-4695-ACD1-743BE1D11C95}"/>
               </a:ext>
             </a:extLst>
           </p:cNvPr>
@@ -9547,20 +9938,20 @@
         </p:blipFill>
         <p:spPr>
           <a:xfrm>
-            <a:off x="2744875" y="2749582"/>
-            <a:ext cx="1602238" cy="1467743"/>
-          </a:xfrm>
-          <a:prstGeom prst="rect">
-            <a:avLst/>
-          </a:prstGeom>
-        </p:spPr>
-      </p:pic>
-      <p:pic>
-        <p:nvPicPr>
-          <p:cNvPr id="14" name="Picture 13">
-            <a:extLst>
-              <a:ext uri="{FF2B5EF4-FFF2-40B4-BE49-F238E27FC236}">
-                <a16:creationId xmlns:a16="http://schemas.microsoft.com/office/drawing/2014/main" id="{569BFBCB-0ED2-7542-95D3-1FD68D67ADE6}"/>
+            <a:off x="125031" y="5351218"/>
+            <a:ext cx="9114597" cy="832050"/>
+          </a:xfrm>
+          <a:prstGeom prst="rect">
+            <a:avLst/>
+          </a:prstGeom>
+        </p:spPr>
+      </p:pic>
+      <p:pic>
+        <p:nvPicPr>
+          <p:cNvPr id="11" name="Picture 10">
+            <a:extLst>
+              <a:ext uri="{FF2B5EF4-FFF2-40B4-BE49-F238E27FC236}">
+                <a16:creationId xmlns:a16="http://schemas.microsoft.com/office/drawing/2014/main" id="{2D9F402F-492B-4695-ACD1-743BE1D11C95}"/>
               </a:ext>
             </a:extLst>
           </p:cNvPr>
@@ -9577,78 +9968,20 @@
         </p:blipFill>
         <p:spPr>
           <a:xfrm>
-            <a:off x="2963946" y="4797559"/>
-            <a:ext cx="1246821" cy="474536"/>
-          </a:xfrm>
-          <a:prstGeom prst="rect">
-            <a:avLst/>
-          </a:prstGeom>
-        </p:spPr>
-      </p:pic>
-      <p:pic>
-        <p:nvPicPr>
-          <p:cNvPr id="15" name="Picture 14">
-            <a:extLst>
-              <a:ext uri="{FF2B5EF4-FFF2-40B4-BE49-F238E27FC236}">
-                <a16:creationId xmlns:a16="http://schemas.microsoft.com/office/drawing/2014/main" id="{B855C8FF-F3B7-3953-5BB2-A3D26E651057}"/>
-              </a:ext>
-            </a:extLst>
-          </p:cNvPr>
-          <p:cNvPicPr>
-            <a:picLocks noChangeAspect="1"/>
-          </p:cNvPicPr>
-          <p:nvPr/>
-        </p:nvPicPr>
-        <p:blipFill rotWithShape="1">
-          <a:blip r:embed="rId10"/>
-          <a:srcRect r="56442"/>
-          <a:stretch/>
-        </p:blipFill>
-        <p:spPr>
-          <a:xfrm>
-            <a:off x="92597" y="5355430"/>
-            <a:ext cx="6003404" cy="832050"/>
-          </a:xfrm>
-          <a:prstGeom prst="rect">
-            <a:avLst/>
-          </a:prstGeom>
-        </p:spPr>
-      </p:pic>
-      <p:pic>
-        <p:nvPicPr>
-          <p:cNvPr id="16" name="Picture 15">
-            <a:extLst>
-              <a:ext uri="{FF2B5EF4-FFF2-40B4-BE49-F238E27FC236}">
-                <a16:creationId xmlns:a16="http://schemas.microsoft.com/office/drawing/2014/main" id="{21F8070D-9A44-F1D6-F7F0-50D0F440281F}"/>
-              </a:ext>
-            </a:extLst>
-          </p:cNvPr>
-          <p:cNvPicPr>
-            <a:picLocks noChangeAspect="1"/>
-          </p:cNvPicPr>
-          <p:nvPr/>
-        </p:nvPicPr>
-        <p:blipFill rotWithShape="1">
-          <a:blip r:embed="rId10"/>
-          <a:srcRect l="16256" r="37901"/>
-          <a:stretch/>
-        </p:blipFill>
-        <p:spPr>
-          <a:xfrm>
-            <a:off x="2384386" y="5422646"/>
-            <a:ext cx="4027990" cy="737283"/>
-          </a:xfrm>
-          <a:prstGeom prst="rect">
-            <a:avLst/>
-          </a:prstGeom>
-        </p:spPr>
-      </p:pic>
-      <p:pic>
-        <p:nvPicPr>
-          <p:cNvPr id="18" name="Picture 17">
-            <a:extLst>
-              <a:ext uri="{FF2B5EF4-FFF2-40B4-BE49-F238E27FC236}">
-                <a16:creationId xmlns:a16="http://schemas.microsoft.com/office/drawing/2014/main" id="{14EA8CBB-F6E5-49B3-947A-20819624EACA}"/>
+            <a:off x="2733887" y="2761439"/>
+            <a:ext cx="1602238" cy="1467743"/>
+          </a:xfrm>
+          <a:prstGeom prst="rect">
+            <a:avLst/>
+          </a:prstGeom>
+        </p:spPr>
+      </p:pic>
+      <p:pic>
+        <p:nvPicPr>
+          <p:cNvPr id="14" name="Picture 13">
+            <a:extLst>
+              <a:ext uri="{FF2B5EF4-FFF2-40B4-BE49-F238E27FC236}">
+                <a16:creationId xmlns:a16="http://schemas.microsoft.com/office/drawing/2014/main" id="{569BFBCB-0ED2-7542-95D3-1FD68D67ADE6}"/>
               </a:ext>
             </a:extLst>
           </p:cNvPr>
@@ -9665,6 +9998,94 @@
         </p:blipFill>
         <p:spPr>
           <a:xfrm>
+            <a:off x="2963946" y="4797559"/>
+            <a:ext cx="1246821" cy="474536"/>
+          </a:xfrm>
+          <a:prstGeom prst="rect">
+            <a:avLst/>
+          </a:prstGeom>
+        </p:spPr>
+      </p:pic>
+      <p:pic>
+        <p:nvPicPr>
+          <p:cNvPr id="15" name="Picture 14">
+            <a:extLst>
+              <a:ext uri="{FF2B5EF4-FFF2-40B4-BE49-F238E27FC236}">
+                <a16:creationId xmlns:a16="http://schemas.microsoft.com/office/drawing/2014/main" id="{B855C8FF-F3B7-3953-5BB2-A3D26E651057}"/>
+              </a:ext>
+            </a:extLst>
+          </p:cNvPr>
+          <p:cNvPicPr>
+            <a:picLocks noChangeAspect="1"/>
+          </p:cNvPicPr>
+          <p:nvPr/>
+        </p:nvPicPr>
+        <p:blipFill rotWithShape="1">
+          <a:blip r:embed="rId11"/>
+          <a:srcRect r="56442"/>
+          <a:stretch/>
+        </p:blipFill>
+        <p:spPr>
+          <a:xfrm>
+            <a:off x="92597" y="5355430"/>
+            <a:ext cx="6003404" cy="832050"/>
+          </a:xfrm>
+          <a:prstGeom prst="rect">
+            <a:avLst/>
+          </a:prstGeom>
+        </p:spPr>
+      </p:pic>
+      <p:pic>
+        <p:nvPicPr>
+          <p:cNvPr id="16" name="Picture 15">
+            <a:extLst>
+              <a:ext uri="{FF2B5EF4-FFF2-40B4-BE49-F238E27FC236}">
+                <a16:creationId xmlns:a16="http://schemas.microsoft.com/office/drawing/2014/main" id="{21F8070D-9A44-F1D6-F7F0-50D0F440281F}"/>
+              </a:ext>
+            </a:extLst>
+          </p:cNvPr>
+          <p:cNvPicPr>
+            <a:picLocks noChangeAspect="1"/>
+          </p:cNvPicPr>
+          <p:nvPr/>
+        </p:nvPicPr>
+        <p:blipFill rotWithShape="1">
+          <a:blip r:embed="rId11"/>
+          <a:srcRect l="16256" r="37901"/>
+          <a:stretch/>
+        </p:blipFill>
+        <p:spPr>
+          <a:xfrm>
+            <a:off x="2384386" y="5422646"/>
+            <a:ext cx="4027990" cy="737283"/>
+          </a:xfrm>
+          <a:prstGeom prst="rect">
+            <a:avLst/>
+          </a:prstGeom>
+        </p:spPr>
+      </p:pic>
+      <p:pic>
+        <p:nvPicPr>
+          <p:cNvPr id="18" name="Picture 17">
+            <a:extLst>
+              <a:ext uri="{FF2B5EF4-FFF2-40B4-BE49-F238E27FC236}">
+                <a16:creationId xmlns:a16="http://schemas.microsoft.com/office/drawing/2014/main" id="{14EA8CBB-F6E5-49B3-947A-20819624EACA}"/>
+              </a:ext>
+            </a:extLst>
+          </p:cNvPr>
+          <p:cNvPicPr>
+            <a:picLocks noChangeAspect="1"/>
+          </p:cNvPicPr>
+          <p:nvPr/>
+        </p:nvPicPr>
+        <p:blipFill>
+          <a:blip r:embed="rId14"/>
+          <a:stretch>
+            <a:fillRect/>
+          </a:stretch>
+        </p:blipFill>
+        <p:spPr>
+          <a:xfrm>
             <a:off x="2920809" y="4327812"/>
             <a:ext cx="1209661" cy="549066"/>
           </a:xfrm>
@@ -9688,7 +10109,7 @@
           <p:nvPr/>
         </p:nvPicPr>
         <p:blipFill rotWithShape="1">
-          <a:blip r:embed="rId14"/>
+          <a:blip r:embed="rId15"/>
           <a:srcRect r="69251" b="53810"/>
           <a:stretch/>
         </p:blipFill>
@@ -9717,7 +10138,7 @@
           <p:nvPr/>
         </p:nvPicPr>
         <p:blipFill rotWithShape="1">
-          <a:blip r:embed="rId14"/>
+          <a:blip r:embed="rId15"/>
           <a:srcRect t="35743" r="348"/>
           <a:stretch/>
         </p:blipFill>
@@ -9746,7 +10167,7 @@
           <p:nvPr/>
         </p:nvPicPr>
         <p:blipFill rotWithShape="1">
-          <a:blip r:embed="rId14"/>
+          <a:blip r:embed="rId15"/>
           <a:srcRect r="69251" b="53810"/>
           <a:stretch/>
         </p:blipFill>
@@ -9775,7 +10196,7 @@
           <p:nvPr/>
         </p:nvPicPr>
         <p:blipFill rotWithShape="1">
-          <a:blip r:embed="rId14"/>
+          <a:blip r:embed="rId15"/>
           <a:srcRect t="35743" r="348"/>
           <a:stretch/>
         </p:blipFill>
@@ -9804,7 +10225,7 @@
           <p:nvPr/>
         </p:nvPicPr>
         <p:blipFill rotWithShape="1">
-          <a:blip r:embed="rId14"/>
+          <a:blip r:embed="rId15"/>
           <a:srcRect r="69251" b="53810"/>
           <a:stretch/>
         </p:blipFill>
@@ -9833,7 +10254,7 @@
           <p:nvPr/>
         </p:nvPicPr>
         <p:blipFill rotWithShape="1">
-          <a:blip r:embed="rId14"/>
+          <a:blip r:embed="rId15"/>
           <a:srcRect r="69251" b="53810"/>
           <a:stretch/>
         </p:blipFill>
@@ -9862,7 +10283,7 @@
           <p:nvPr/>
         </p:nvPicPr>
         <p:blipFill rotWithShape="1">
-          <a:blip r:embed="rId14"/>
+          <a:blip r:embed="rId15"/>
           <a:srcRect t="35743" r="348"/>
           <a:stretch/>
         </p:blipFill>
@@ -10608,7 +11029,7 @@
         </p:nvSpPr>
         <p:spPr>
           <a:xfrm>
-            <a:off x="7615363" y="1781152"/>
+            <a:off x="7591734" y="1781187"/>
             <a:ext cx="1077523" cy="215444"/>
           </a:xfrm>
           <a:prstGeom prst="rect">
@@ -10777,7 +11198,7 @@
           <p:nvPr/>
         </p:nvPicPr>
         <p:blipFill>
-          <a:blip r:embed="rId15">
+          <a:blip r:embed="rId16">
             <a:extLst>
               <a:ext uri="{28A0092B-C50C-407E-A947-70E740481C1C}">
                 <a14:useLocalDpi xmlns:a14="http://schemas.microsoft.com/office/drawing/2010/main" val="0"/>
@@ -10791,7 +11212,7 @@
         </p:blipFill>
         <p:spPr bwMode="auto">
           <a:xfrm rot="16200000">
-            <a:off x="7423262" y="375852"/>
+            <a:off x="7411687" y="375852"/>
             <a:ext cx="8764620" cy="4000500"/>
           </a:xfrm>
           <a:prstGeom prst="rect">
@@ -10824,7 +11245,7 @@
           <p:nvPr/>
         </p:nvPicPr>
         <p:blipFill>
-          <a:blip r:embed="rId15">
+          <a:blip r:embed="rId16">
             <a:extLst>
               <a:ext uri="{28A0092B-C50C-407E-A947-70E740481C1C}">
                 <a14:useLocalDpi xmlns:a14="http://schemas.microsoft.com/office/drawing/2010/main" val="0"/>
@@ -10840,6 +11261,53 @@
           <a:xfrm>
             <a:off x="-425834" y="5030907"/>
             <a:ext cx="8764620" cy="4000500"/>
+          </a:xfrm>
+          <a:prstGeom prst="rect">
+            <a:avLst/>
+          </a:prstGeom>
+          <a:noFill/>
+          <a:extLst>
+            <a:ext uri="{909E8E84-426E-40DD-AFC4-6F175D3DCCD1}">
+              <a14:hiddenFill xmlns:a14="http://schemas.microsoft.com/office/drawing/2010/main">
+                <a:solidFill>
+                  <a:srgbClr val="FFFFFF"/>
+                </a:solidFill>
+              </a14:hiddenFill>
+            </a:ext>
+          </a:extLst>
+        </p:spPr>
+      </p:pic>
+      <p:pic>
+        <p:nvPicPr>
+          <p:cNvPr id="5124" name="Picture 4" descr="Barcode">
+            <a:extLst>
+              <a:ext uri="{FF2B5EF4-FFF2-40B4-BE49-F238E27FC236}">
+                <a16:creationId xmlns:a16="http://schemas.microsoft.com/office/drawing/2014/main" id="{D6A442D8-8990-CBF6-3F40-F7F9625C2C59}"/>
+              </a:ext>
+            </a:extLst>
+          </p:cNvPr>
+          <p:cNvPicPr>
+            <a:picLocks noChangeAspect="1" noChangeArrowheads="1"/>
+          </p:cNvPicPr>
+          <p:nvPr/>
+        </p:nvPicPr>
+        <p:blipFill>
+          <a:blip r:embed="rId17">
+            <a:extLst>
+              <a:ext uri="{28A0092B-C50C-407E-A947-70E740481C1C}">
+                <a14:useLocalDpi xmlns:a14="http://schemas.microsoft.com/office/drawing/2010/main" val="0"/>
+              </a:ext>
+            </a:extLst>
+          </a:blip>
+          <a:srcRect/>
+          <a:stretch>
+            <a:fillRect/>
+          </a:stretch>
+        </p:blipFill>
+        <p:spPr bwMode="auto">
+          <a:xfrm>
+            <a:off x="9890357" y="2603729"/>
+            <a:ext cx="261967" cy="261967"/>
           </a:xfrm>
           <a:prstGeom prst="rect">
             <a:avLst/>
@@ -10901,36 +11369,6 @@
           <p:nvPr/>
         </p:nvPicPr>
         <p:blipFill>
-          <a:blip r:embed="rId2"/>
-          <a:stretch>
-            <a:fillRect/>
-          </a:stretch>
-        </p:blipFill>
-        <p:spPr>
-          <a:xfrm>
-            <a:off x="0" y="0"/>
-            <a:ext cx="10987314" cy="6858486"/>
-          </a:xfrm>
-          <a:prstGeom prst="rect">
-            <a:avLst/>
-          </a:prstGeom>
-        </p:spPr>
-      </p:pic>
-      <p:pic>
-        <p:nvPicPr>
-          <p:cNvPr id="2" name="Picture 1">
-            <a:extLst>
-              <a:ext uri="{FF2B5EF4-FFF2-40B4-BE49-F238E27FC236}">
-                <a16:creationId xmlns:a16="http://schemas.microsoft.com/office/drawing/2014/main" id="{AAB98E17-1B60-6AF0-2B58-23D29B60A7E8}"/>
-              </a:ext>
-            </a:extLst>
-          </p:cNvPr>
-          <p:cNvPicPr>
-            <a:picLocks noChangeAspect="1"/>
-          </p:cNvPicPr>
-          <p:nvPr/>
-        </p:nvPicPr>
-        <p:blipFill>
           <a:blip r:embed="rId3"/>
           <a:stretch>
             <a:fillRect/>
@@ -10938,20 +11376,20 @@
         </p:blipFill>
         <p:spPr>
           <a:xfrm>
-            <a:off x="0" y="1117600"/>
-            <a:ext cx="10987314" cy="5210629"/>
-          </a:xfrm>
-          <a:prstGeom prst="rect">
-            <a:avLst/>
-          </a:prstGeom>
-        </p:spPr>
-      </p:pic>
-      <p:pic>
-        <p:nvPicPr>
-          <p:cNvPr id="3" name="Picture 2">
-            <a:extLst>
-              <a:ext uri="{FF2B5EF4-FFF2-40B4-BE49-F238E27FC236}">
-                <a16:creationId xmlns:a16="http://schemas.microsoft.com/office/drawing/2014/main" id="{F676C402-8F09-9ADF-DB97-24DD08A690F4}"/>
+            <a:off x="0" y="0"/>
+            <a:ext cx="10987314" cy="6858486"/>
+          </a:xfrm>
+          <a:prstGeom prst="rect">
+            <a:avLst/>
+          </a:prstGeom>
+        </p:spPr>
+      </p:pic>
+      <p:pic>
+        <p:nvPicPr>
+          <p:cNvPr id="2" name="Picture 1">
+            <a:extLst>
+              <a:ext uri="{FF2B5EF4-FFF2-40B4-BE49-F238E27FC236}">
+                <a16:creationId xmlns:a16="http://schemas.microsoft.com/office/drawing/2014/main" id="{AAB98E17-1B60-6AF0-2B58-23D29B60A7E8}"/>
               </a:ext>
             </a:extLst>
           </p:cNvPr>
@@ -10968,6 +11406,36 @@
         </p:blipFill>
         <p:spPr>
           <a:xfrm>
+            <a:off x="0" y="1117600"/>
+            <a:ext cx="10987314" cy="5210629"/>
+          </a:xfrm>
+          <a:prstGeom prst="rect">
+            <a:avLst/>
+          </a:prstGeom>
+        </p:spPr>
+      </p:pic>
+      <p:pic>
+        <p:nvPicPr>
+          <p:cNvPr id="3" name="Picture 2">
+            <a:extLst>
+              <a:ext uri="{FF2B5EF4-FFF2-40B4-BE49-F238E27FC236}">
+                <a16:creationId xmlns:a16="http://schemas.microsoft.com/office/drawing/2014/main" id="{F676C402-8F09-9ADF-DB97-24DD08A690F4}"/>
+              </a:ext>
+            </a:extLst>
+          </p:cNvPr>
+          <p:cNvPicPr>
+            <a:picLocks noChangeAspect="1"/>
+          </p:cNvPicPr>
+          <p:nvPr/>
+        </p:nvPicPr>
+        <p:blipFill>
+          <a:blip r:embed="rId5"/>
+          <a:stretch>
+            <a:fillRect/>
+          </a:stretch>
+        </p:blipFill>
+        <p:spPr>
+          <a:xfrm>
             <a:off x="-1" y="1117600"/>
             <a:ext cx="10987313" cy="5210628"/>
           </a:xfrm>
@@ -10991,7 +11459,7 @@
           <p:nvPr/>
         </p:nvPicPr>
         <p:blipFill rotWithShape="1">
-          <a:blip r:embed="rId5"/>
+          <a:blip r:embed="rId6"/>
           <a:srcRect l="6010" t="6561" r="68162" b="64187"/>
           <a:stretch/>
         </p:blipFill>
@@ -11011,6 +11479,95 @@
             <a:extLst>
               <a:ext uri="{FF2B5EF4-FFF2-40B4-BE49-F238E27FC236}">
                 <a16:creationId xmlns:a16="http://schemas.microsoft.com/office/drawing/2014/main" id="{8FF660A5-3487-BCD5-5581-7A24FBA58EB5}"/>
+              </a:ext>
+            </a:extLst>
+          </p:cNvPr>
+          <p:cNvPicPr>
+            <a:picLocks noChangeAspect="1"/>
+          </p:cNvPicPr>
+          <p:nvPr/>
+        </p:nvPicPr>
+        <p:blipFill>
+          <a:blip r:embed="rId7"/>
+          <a:stretch>
+            <a:fillRect/>
+          </a:stretch>
+        </p:blipFill>
+        <p:spPr>
+          <a:xfrm>
+            <a:off x="0" y="1117599"/>
+            <a:ext cx="10987312" cy="334769"/>
+          </a:xfrm>
+          <a:prstGeom prst="rect">
+            <a:avLst/>
+          </a:prstGeom>
+        </p:spPr>
+      </p:pic>
+      <p:pic>
+        <p:nvPicPr>
+          <p:cNvPr id="6" name="Picture 5">
+            <a:extLst>
+              <a:ext uri="{FF2B5EF4-FFF2-40B4-BE49-F238E27FC236}">
+                <a16:creationId xmlns:a16="http://schemas.microsoft.com/office/drawing/2014/main" id="{2434FCCB-1992-8EFB-35CA-130A7B718714}"/>
+              </a:ext>
+            </a:extLst>
+          </p:cNvPr>
+          <p:cNvPicPr>
+            <a:picLocks noChangeAspect="1"/>
+          </p:cNvPicPr>
+          <p:nvPr/>
+        </p:nvPicPr>
+        <p:blipFill>
+          <a:blip r:embed="rId8"/>
+          <a:stretch>
+            <a:fillRect/>
+          </a:stretch>
+        </p:blipFill>
+        <p:spPr>
+          <a:xfrm>
+            <a:off x="92597" y="1624916"/>
+            <a:ext cx="9114597" cy="530257"/>
+          </a:xfrm>
+          <a:prstGeom prst="rect">
+            <a:avLst/>
+          </a:prstGeom>
+        </p:spPr>
+      </p:pic>
+      <p:pic>
+        <p:nvPicPr>
+          <p:cNvPr id="4" name="Picture 3">
+            <a:extLst>
+              <a:ext uri="{FF2B5EF4-FFF2-40B4-BE49-F238E27FC236}">
+                <a16:creationId xmlns:a16="http://schemas.microsoft.com/office/drawing/2014/main" id="{C91F96F3-5579-C318-9114-F9A959D1BA77}"/>
+              </a:ext>
+            </a:extLst>
+          </p:cNvPr>
+          <p:cNvPicPr>
+            <a:picLocks noChangeAspect="1"/>
+          </p:cNvPicPr>
+          <p:nvPr/>
+        </p:nvPicPr>
+        <p:blipFill rotWithShape="1">
+          <a:blip r:embed="rId9"/>
+          <a:srcRect l="3630" t="8398" r="84229" b="26189"/>
+          <a:stretch/>
+        </p:blipFill>
+        <p:spPr>
+          <a:xfrm>
+            <a:off x="196596" y="1781187"/>
+            <a:ext cx="1077523" cy="217714"/>
+          </a:xfrm>
+          <a:prstGeom prst="rect">
+            <a:avLst/>
+          </a:prstGeom>
+        </p:spPr>
+      </p:pic>
+      <p:pic>
+        <p:nvPicPr>
+          <p:cNvPr id="7" name="Picture 6">
+            <a:extLst>
+              <a:ext uri="{FF2B5EF4-FFF2-40B4-BE49-F238E27FC236}">
+                <a16:creationId xmlns:a16="http://schemas.microsoft.com/office/drawing/2014/main" id="{EBAD451E-E307-2160-B875-14AE090CCFE3}"/>
               </a:ext>
             </a:extLst>
           </p:cNvPr>
@@ -11027,95 +11584,6 @@
         </p:blipFill>
         <p:spPr>
           <a:xfrm>
-            <a:off x="0" y="1117599"/>
-            <a:ext cx="10987312" cy="334769"/>
-          </a:xfrm>
-          <a:prstGeom prst="rect">
-            <a:avLst/>
-          </a:prstGeom>
-        </p:spPr>
-      </p:pic>
-      <p:pic>
-        <p:nvPicPr>
-          <p:cNvPr id="6" name="Picture 5">
-            <a:extLst>
-              <a:ext uri="{FF2B5EF4-FFF2-40B4-BE49-F238E27FC236}">
-                <a16:creationId xmlns:a16="http://schemas.microsoft.com/office/drawing/2014/main" id="{2434FCCB-1992-8EFB-35CA-130A7B718714}"/>
-              </a:ext>
-            </a:extLst>
-          </p:cNvPr>
-          <p:cNvPicPr>
-            <a:picLocks noChangeAspect="1"/>
-          </p:cNvPicPr>
-          <p:nvPr/>
-        </p:nvPicPr>
-        <p:blipFill>
-          <a:blip r:embed="rId7"/>
-          <a:stretch>
-            <a:fillRect/>
-          </a:stretch>
-        </p:blipFill>
-        <p:spPr>
-          <a:xfrm>
-            <a:off x="92597" y="1624916"/>
-            <a:ext cx="9114597" cy="530257"/>
-          </a:xfrm>
-          <a:prstGeom prst="rect">
-            <a:avLst/>
-          </a:prstGeom>
-        </p:spPr>
-      </p:pic>
-      <p:pic>
-        <p:nvPicPr>
-          <p:cNvPr id="4" name="Picture 3">
-            <a:extLst>
-              <a:ext uri="{FF2B5EF4-FFF2-40B4-BE49-F238E27FC236}">
-                <a16:creationId xmlns:a16="http://schemas.microsoft.com/office/drawing/2014/main" id="{C91F96F3-5579-C318-9114-F9A959D1BA77}"/>
-              </a:ext>
-            </a:extLst>
-          </p:cNvPr>
-          <p:cNvPicPr>
-            <a:picLocks noChangeAspect="1"/>
-          </p:cNvPicPr>
-          <p:nvPr/>
-        </p:nvPicPr>
-        <p:blipFill rotWithShape="1">
-          <a:blip r:embed="rId8"/>
-          <a:srcRect l="3630" t="8398" r="84229" b="26189"/>
-          <a:stretch/>
-        </p:blipFill>
-        <p:spPr>
-          <a:xfrm>
-            <a:off x="196596" y="1781187"/>
-            <a:ext cx="1077523" cy="217714"/>
-          </a:xfrm>
-          <a:prstGeom prst="rect">
-            <a:avLst/>
-          </a:prstGeom>
-        </p:spPr>
-      </p:pic>
-      <p:pic>
-        <p:nvPicPr>
-          <p:cNvPr id="7" name="Picture 6">
-            <a:extLst>
-              <a:ext uri="{FF2B5EF4-FFF2-40B4-BE49-F238E27FC236}">
-                <a16:creationId xmlns:a16="http://schemas.microsoft.com/office/drawing/2014/main" id="{EBAD451E-E307-2160-B875-14AE090CCFE3}"/>
-              </a:ext>
-            </a:extLst>
-          </p:cNvPr>
-          <p:cNvPicPr>
-            <a:picLocks noChangeAspect="1"/>
-          </p:cNvPicPr>
-          <p:nvPr/>
-        </p:nvPicPr>
-        <p:blipFill>
-          <a:blip r:embed="rId5"/>
-          <a:stretch>
-            <a:fillRect/>
-          </a:stretch>
-        </p:blipFill>
-        <p:spPr>
-          <a:xfrm>
             <a:off x="4815402" y="2119085"/>
             <a:ext cx="4391792" cy="3232132"/>
           </a:xfrm>
@@ -11139,7 +11607,7 @@
           <p:nvPr/>
         </p:nvPicPr>
         <p:blipFill rotWithShape="1">
-          <a:blip r:embed="rId9"/>
+          <a:blip r:embed="rId10"/>
           <a:srcRect b="23578"/>
           <a:stretch/>
         </p:blipFill>
@@ -11159,36 +11627,6 @@
             <a:extLst>
               <a:ext uri="{FF2B5EF4-FFF2-40B4-BE49-F238E27FC236}">
                 <a16:creationId xmlns:a16="http://schemas.microsoft.com/office/drawing/2014/main" id="{C8EA4F29-B621-3F92-53C6-1C8643149795}"/>
-              </a:ext>
-            </a:extLst>
-          </p:cNvPr>
-          <p:cNvPicPr>
-            <a:picLocks noChangeAspect="1"/>
-          </p:cNvPicPr>
-          <p:nvPr/>
-        </p:nvPicPr>
-        <p:blipFill>
-          <a:blip r:embed="rId10"/>
-          <a:stretch>
-            <a:fillRect/>
-          </a:stretch>
-        </p:blipFill>
-        <p:spPr>
-          <a:xfrm>
-            <a:off x="125031" y="5351218"/>
-            <a:ext cx="9114597" cy="832050"/>
-          </a:xfrm>
-          <a:prstGeom prst="rect">
-            <a:avLst/>
-          </a:prstGeom>
-        </p:spPr>
-      </p:pic>
-      <p:pic>
-        <p:nvPicPr>
-          <p:cNvPr id="11" name="Picture 10">
-            <a:extLst>
-              <a:ext uri="{FF2B5EF4-FFF2-40B4-BE49-F238E27FC236}">
-                <a16:creationId xmlns:a16="http://schemas.microsoft.com/office/drawing/2014/main" id="{2D9F402F-492B-4695-ACD1-743BE1D11C95}"/>
               </a:ext>
             </a:extLst>
           </p:cNvPr>
@@ -11205,20 +11643,20 @@
         </p:blipFill>
         <p:spPr>
           <a:xfrm>
-            <a:off x="2744875" y="2749582"/>
-            <a:ext cx="1602238" cy="1467743"/>
-          </a:xfrm>
-          <a:prstGeom prst="rect">
-            <a:avLst/>
-          </a:prstGeom>
-        </p:spPr>
-      </p:pic>
-      <p:pic>
-        <p:nvPicPr>
-          <p:cNvPr id="14" name="Picture 13">
-            <a:extLst>
-              <a:ext uri="{FF2B5EF4-FFF2-40B4-BE49-F238E27FC236}">
-                <a16:creationId xmlns:a16="http://schemas.microsoft.com/office/drawing/2014/main" id="{569BFBCB-0ED2-7542-95D3-1FD68D67ADE6}"/>
+            <a:off x="125031" y="5351218"/>
+            <a:ext cx="9114597" cy="832050"/>
+          </a:xfrm>
+          <a:prstGeom prst="rect">
+            <a:avLst/>
+          </a:prstGeom>
+        </p:spPr>
+      </p:pic>
+      <p:pic>
+        <p:nvPicPr>
+          <p:cNvPr id="11" name="Picture 10">
+            <a:extLst>
+              <a:ext uri="{FF2B5EF4-FFF2-40B4-BE49-F238E27FC236}">
+                <a16:creationId xmlns:a16="http://schemas.microsoft.com/office/drawing/2014/main" id="{2D9F402F-492B-4695-ACD1-743BE1D11C95}"/>
               </a:ext>
             </a:extLst>
           </p:cNvPr>
@@ -11235,78 +11673,20 @@
         </p:blipFill>
         <p:spPr>
           <a:xfrm>
-            <a:off x="2963946" y="4797559"/>
-            <a:ext cx="1246821" cy="474536"/>
-          </a:xfrm>
-          <a:prstGeom prst="rect">
-            <a:avLst/>
-          </a:prstGeom>
-        </p:spPr>
-      </p:pic>
-      <p:pic>
-        <p:nvPicPr>
-          <p:cNvPr id="15" name="Picture 14">
-            <a:extLst>
-              <a:ext uri="{FF2B5EF4-FFF2-40B4-BE49-F238E27FC236}">
-                <a16:creationId xmlns:a16="http://schemas.microsoft.com/office/drawing/2014/main" id="{B855C8FF-F3B7-3953-5BB2-A3D26E651057}"/>
-              </a:ext>
-            </a:extLst>
-          </p:cNvPr>
-          <p:cNvPicPr>
-            <a:picLocks noChangeAspect="1"/>
-          </p:cNvPicPr>
-          <p:nvPr/>
-        </p:nvPicPr>
-        <p:blipFill rotWithShape="1">
-          <a:blip r:embed="rId10"/>
-          <a:srcRect r="56442"/>
-          <a:stretch/>
-        </p:blipFill>
-        <p:spPr>
-          <a:xfrm>
-            <a:off x="92597" y="5355430"/>
-            <a:ext cx="6003404" cy="832050"/>
-          </a:xfrm>
-          <a:prstGeom prst="rect">
-            <a:avLst/>
-          </a:prstGeom>
-        </p:spPr>
-      </p:pic>
-      <p:pic>
-        <p:nvPicPr>
-          <p:cNvPr id="16" name="Picture 15">
-            <a:extLst>
-              <a:ext uri="{FF2B5EF4-FFF2-40B4-BE49-F238E27FC236}">
-                <a16:creationId xmlns:a16="http://schemas.microsoft.com/office/drawing/2014/main" id="{21F8070D-9A44-F1D6-F7F0-50D0F440281F}"/>
-              </a:ext>
-            </a:extLst>
-          </p:cNvPr>
-          <p:cNvPicPr>
-            <a:picLocks noChangeAspect="1"/>
-          </p:cNvPicPr>
-          <p:nvPr/>
-        </p:nvPicPr>
-        <p:blipFill rotWithShape="1">
-          <a:blip r:embed="rId10"/>
-          <a:srcRect l="16256" r="37901"/>
-          <a:stretch/>
-        </p:blipFill>
-        <p:spPr>
-          <a:xfrm>
-            <a:off x="2384386" y="5422646"/>
-            <a:ext cx="4027990" cy="737283"/>
-          </a:xfrm>
-          <a:prstGeom prst="rect">
-            <a:avLst/>
-          </a:prstGeom>
-        </p:spPr>
-      </p:pic>
-      <p:pic>
-        <p:nvPicPr>
-          <p:cNvPr id="18" name="Picture 17">
-            <a:extLst>
-              <a:ext uri="{FF2B5EF4-FFF2-40B4-BE49-F238E27FC236}">
-                <a16:creationId xmlns:a16="http://schemas.microsoft.com/office/drawing/2014/main" id="{14EA8CBB-F6E5-49B3-947A-20819624EACA}"/>
+            <a:off x="2744875" y="2749582"/>
+            <a:ext cx="1602238" cy="1467743"/>
+          </a:xfrm>
+          <a:prstGeom prst="rect">
+            <a:avLst/>
+          </a:prstGeom>
+        </p:spPr>
+      </p:pic>
+      <p:pic>
+        <p:nvPicPr>
+          <p:cNvPr id="14" name="Picture 13">
+            <a:extLst>
+              <a:ext uri="{FF2B5EF4-FFF2-40B4-BE49-F238E27FC236}">
+                <a16:creationId xmlns:a16="http://schemas.microsoft.com/office/drawing/2014/main" id="{569BFBCB-0ED2-7542-95D3-1FD68D67ADE6}"/>
               </a:ext>
             </a:extLst>
           </p:cNvPr>
@@ -11323,20 +11703,20 @@
         </p:blipFill>
         <p:spPr>
           <a:xfrm>
-            <a:off x="2920809" y="4327812"/>
-            <a:ext cx="1209661" cy="549066"/>
-          </a:xfrm>
-          <a:prstGeom prst="rect">
-            <a:avLst/>
-          </a:prstGeom>
-        </p:spPr>
-      </p:pic>
-      <p:pic>
-        <p:nvPicPr>
-          <p:cNvPr id="21" name="Picture 20">
-            <a:extLst>
-              <a:ext uri="{FF2B5EF4-FFF2-40B4-BE49-F238E27FC236}">
-                <a16:creationId xmlns:a16="http://schemas.microsoft.com/office/drawing/2014/main" id="{9FB490FE-9A99-27C5-2C86-5AF2FF555D33}"/>
+            <a:off x="2963946" y="4797559"/>
+            <a:ext cx="1246821" cy="474536"/>
+          </a:xfrm>
+          <a:prstGeom prst="rect">
+            <a:avLst/>
+          </a:prstGeom>
+        </p:spPr>
+      </p:pic>
+      <p:pic>
+        <p:nvPicPr>
+          <p:cNvPr id="15" name="Picture 14">
+            <a:extLst>
+              <a:ext uri="{FF2B5EF4-FFF2-40B4-BE49-F238E27FC236}">
+                <a16:creationId xmlns:a16="http://schemas.microsoft.com/office/drawing/2014/main" id="{B855C8FF-F3B7-3953-5BB2-A3D26E651057}"/>
               </a:ext>
             </a:extLst>
           </p:cNvPr>
@@ -11346,216 +11726,304 @@
           <p:nvPr/>
         </p:nvPicPr>
         <p:blipFill rotWithShape="1">
+          <a:blip r:embed="rId11"/>
+          <a:srcRect r="56442"/>
+          <a:stretch/>
+        </p:blipFill>
+        <p:spPr>
+          <a:xfrm>
+            <a:off x="92597" y="5355430"/>
+            <a:ext cx="6003404" cy="832050"/>
+          </a:xfrm>
+          <a:prstGeom prst="rect">
+            <a:avLst/>
+          </a:prstGeom>
+        </p:spPr>
+      </p:pic>
+      <p:pic>
+        <p:nvPicPr>
+          <p:cNvPr id="16" name="Picture 15">
+            <a:extLst>
+              <a:ext uri="{FF2B5EF4-FFF2-40B4-BE49-F238E27FC236}">
+                <a16:creationId xmlns:a16="http://schemas.microsoft.com/office/drawing/2014/main" id="{21F8070D-9A44-F1D6-F7F0-50D0F440281F}"/>
+              </a:ext>
+            </a:extLst>
+          </p:cNvPr>
+          <p:cNvPicPr>
+            <a:picLocks noChangeAspect="1"/>
+          </p:cNvPicPr>
+          <p:nvPr/>
+        </p:nvPicPr>
+        <p:blipFill rotWithShape="1">
+          <a:blip r:embed="rId11"/>
+          <a:srcRect l="16256" r="37901"/>
+          <a:stretch/>
+        </p:blipFill>
+        <p:spPr>
+          <a:xfrm>
+            <a:off x="2384386" y="5422646"/>
+            <a:ext cx="4027990" cy="737283"/>
+          </a:xfrm>
+          <a:prstGeom prst="rect">
+            <a:avLst/>
+          </a:prstGeom>
+        </p:spPr>
+      </p:pic>
+      <p:pic>
+        <p:nvPicPr>
+          <p:cNvPr id="18" name="Picture 17">
+            <a:extLst>
+              <a:ext uri="{FF2B5EF4-FFF2-40B4-BE49-F238E27FC236}">
+                <a16:creationId xmlns:a16="http://schemas.microsoft.com/office/drawing/2014/main" id="{14EA8CBB-F6E5-49B3-947A-20819624EACA}"/>
+              </a:ext>
+            </a:extLst>
+          </p:cNvPr>
+          <p:cNvPicPr>
+            <a:picLocks noChangeAspect="1"/>
+          </p:cNvPicPr>
+          <p:nvPr/>
+        </p:nvPicPr>
+        <p:blipFill>
           <a:blip r:embed="rId14"/>
-          <a:srcRect r="69251" b="53810"/>
-          <a:stretch/>
-        </p:blipFill>
-        <p:spPr>
-          <a:xfrm>
-            <a:off x="244210" y="4285215"/>
-            <a:ext cx="878009" cy="323974"/>
-          </a:xfrm>
-          <a:prstGeom prst="rect">
-            <a:avLst/>
-          </a:prstGeom>
-        </p:spPr>
-      </p:pic>
-      <p:pic>
-        <p:nvPicPr>
-          <p:cNvPr id="22" name="Picture 21">
-            <a:extLst>
-              <a:ext uri="{FF2B5EF4-FFF2-40B4-BE49-F238E27FC236}">
-                <a16:creationId xmlns:a16="http://schemas.microsoft.com/office/drawing/2014/main" id="{D154ECFE-DB8B-8787-1D0F-D501B72CEDBC}"/>
-              </a:ext>
-            </a:extLst>
-          </p:cNvPr>
-          <p:cNvPicPr>
-            <a:picLocks noChangeAspect="1"/>
-          </p:cNvPicPr>
-          <p:nvPr/>
-        </p:nvPicPr>
-        <p:blipFill rotWithShape="1">
-          <a:blip r:embed="rId14"/>
-          <a:srcRect t="35743" r="348"/>
-          <a:stretch/>
-        </p:blipFill>
-        <p:spPr>
-          <a:xfrm>
-            <a:off x="209230" y="4620390"/>
-            <a:ext cx="1908937" cy="612694"/>
-          </a:xfrm>
-          <a:prstGeom prst="rect">
-            <a:avLst/>
-          </a:prstGeom>
-        </p:spPr>
-      </p:pic>
-      <p:pic>
-        <p:nvPicPr>
-          <p:cNvPr id="23" name="Picture 22">
-            <a:extLst>
-              <a:ext uri="{FF2B5EF4-FFF2-40B4-BE49-F238E27FC236}">
-                <a16:creationId xmlns:a16="http://schemas.microsoft.com/office/drawing/2014/main" id="{87F9681B-0572-D4C4-BB6F-09E30D78948C}"/>
-              </a:ext>
-            </a:extLst>
-          </p:cNvPr>
-          <p:cNvPicPr>
-            <a:picLocks noChangeAspect="1"/>
-          </p:cNvPicPr>
-          <p:nvPr/>
-        </p:nvPicPr>
-        <p:blipFill rotWithShape="1">
-          <a:blip r:embed="rId14"/>
-          <a:srcRect r="69251" b="53810"/>
-          <a:stretch/>
-        </p:blipFill>
-        <p:spPr>
-          <a:xfrm>
-            <a:off x="266283" y="3396433"/>
-            <a:ext cx="878009" cy="323974"/>
-          </a:xfrm>
-          <a:prstGeom prst="rect">
-            <a:avLst/>
-          </a:prstGeom>
-        </p:spPr>
-      </p:pic>
-      <p:pic>
-        <p:nvPicPr>
-          <p:cNvPr id="24" name="Picture 23">
-            <a:extLst>
-              <a:ext uri="{FF2B5EF4-FFF2-40B4-BE49-F238E27FC236}">
-                <a16:creationId xmlns:a16="http://schemas.microsoft.com/office/drawing/2014/main" id="{55508515-9138-5FCD-4D0A-990DF99D8AE6}"/>
-              </a:ext>
-            </a:extLst>
-          </p:cNvPr>
-          <p:cNvPicPr>
-            <a:picLocks noChangeAspect="1"/>
-          </p:cNvPicPr>
-          <p:nvPr/>
-        </p:nvPicPr>
-        <p:blipFill rotWithShape="1">
-          <a:blip r:embed="rId14"/>
-          <a:srcRect t="35743" r="348"/>
-          <a:stretch/>
-        </p:blipFill>
-        <p:spPr>
-          <a:xfrm>
-            <a:off x="231303" y="3731608"/>
-            <a:ext cx="1908937" cy="612694"/>
-          </a:xfrm>
-          <a:prstGeom prst="rect">
-            <a:avLst/>
-          </a:prstGeom>
-        </p:spPr>
-      </p:pic>
-      <p:pic>
-        <p:nvPicPr>
-          <p:cNvPr id="25" name="Picture 24">
-            <a:extLst>
-              <a:ext uri="{FF2B5EF4-FFF2-40B4-BE49-F238E27FC236}">
-                <a16:creationId xmlns:a16="http://schemas.microsoft.com/office/drawing/2014/main" id="{ABF2E272-46E9-6080-8B85-20E4C863754F}"/>
-              </a:ext>
-            </a:extLst>
-          </p:cNvPr>
-          <p:cNvPicPr>
-            <a:picLocks noChangeAspect="1"/>
-          </p:cNvPicPr>
-          <p:nvPr/>
-        </p:nvPicPr>
-        <p:blipFill rotWithShape="1">
-          <a:blip r:embed="rId14"/>
-          <a:srcRect r="69251" b="53810"/>
-          <a:stretch/>
-        </p:blipFill>
-        <p:spPr>
-          <a:xfrm>
-            <a:off x="2776367" y="2376102"/>
-            <a:ext cx="1192352" cy="439962"/>
-          </a:xfrm>
-          <a:prstGeom prst="rect">
-            <a:avLst/>
-          </a:prstGeom>
-        </p:spPr>
-      </p:pic>
-      <p:pic>
-        <p:nvPicPr>
-          <p:cNvPr id="26" name="Picture 25">
-            <a:extLst>
-              <a:ext uri="{FF2B5EF4-FFF2-40B4-BE49-F238E27FC236}">
-                <a16:creationId xmlns:a16="http://schemas.microsoft.com/office/drawing/2014/main" id="{37AA5F73-601E-FD57-6D2F-A2F9B960FD76}"/>
-              </a:ext>
-            </a:extLst>
-          </p:cNvPr>
-          <p:cNvPicPr>
-            <a:picLocks noChangeAspect="1"/>
-          </p:cNvPicPr>
-          <p:nvPr/>
-        </p:nvPicPr>
-        <p:blipFill rotWithShape="1">
-          <a:blip r:embed="rId14"/>
-          <a:srcRect r="69251" b="53810"/>
-          <a:stretch/>
-        </p:blipFill>
-        <p:spPr>
-          <a:xfrm>
-            <a:off x="292549" y="2507651"/>
-            <a:ext cx="878009" cy="323974"/>
-          </a:xfrm>
-          <a:prstGeom prst="rect">
-            <a:avLst/>
-          </a:prstGeom>
-        </p:spPr>
-      </p:pic>
-      <p:pic>
-        <p:nvPicPr>
-          <p:cNvPr id="27" name="Picture 26">
-            <a:extLst>
-              <a:ext uri="{FF2B5EF4-FFF2-40B4-BE49-F238E27FC236}">
-                <a16:creationId xmlns:a16="http://schemas.microsoft.com/office/drawing/2014/main" id="{F0A9A3F9-C9EB-C2DE-C136-450C44810F78}"/>
-              </a:ext>
-            </a:extLst>
-          </p:cNvPr>
-          <p:cNvPicPr>
-            <a:picLocks noChangeAspect="1"/>
-          </p:cNvPicPr>
-          <p:nvPr/>
-        </p:nvPicPr>
-        <p:blipFill rotWithShape="1">
-          <a:blip r:embed="rId14"/>
-          <a:srcRect t="35743" r="348"/>
-          <a:stretch/>
-        </p:blipFill>
-        <p:spPr>
-          <a:xfrm>
-            <a:off x="257569" y="2842826"/>
-            <a:ext cx="1908937" cy="612694"/>
-          </a:xfrm>
-          <a:prstGeom prst="rect">
-            <a:avLst/>
-          </a:prstGeom>
-        </p:spPr>
-      </p:pic>
-      <p:pic>
-        <p:nvPicPr>
-          <p:cNvPr id="13" name="Picture 12">
-            <a:extLst>
-              <a:ext uri="{FF2B5EF4-FFF2-40B4-BE49-F238E27FC236}">
-                <a16:creationId xmlns:a16="http://schemas.microsoft.com/office/drawing/2014/main" id="{639D2C6E-D2FF-9358-F8D5-942B4C76424B}"/>
-              </a:ext>
-            </a:extLst>
-          </p:cNvPr>
-          <p:cNvPicPr>
-            <a:picLocks noChangeAspect="1"/>
-          </p:cNvPicPr>
-          <p:nvPr/>
-        </p:nvPicPr>
-        <p:blipFill>
-          <a:blip r:embed="rId15"/>
           <a:stretch>
             <a:fillRect/>
           </a:stretch>
         </p:blipFill>
         <p:spPr>
           <a:xfrm>
+            <a:off x="2920809" y="4327812"/>
+            <a:ext cx="1209661" cy="549066"/>
+          </a:xfrm>
+          <a:prstGeom prst="rect">
+            <a:avLst/>
+          </a:prstGeom>
+        </p:spPr>
+      </p:pic>
+      <p:pic>
+        <p:nvPicPr>
+          <p:cNvPr id="21" name="Picture 20">
+            <a:extLst>
+              <a:ext uri="{FF2B5EF4-FFF2-40B4-BE49-F238E27FC236}">
+                <a16:creationId xmlns:a16="http://schemas.microsoft.com/office/drawing/2014/main" id="{9FB490FE-9A99-27C5-2C86-5AF2FF555D33}"/>
+              </a:ext>
+            </a:extLst>
+          </p:cNvPr>
+          <p:cNvPicPr>
+            <a:picLocks noChangeAspect="1"/>
+          </p:cNvPicPr>
+          <p:nvPr/>
+        </p:nvPicPr>
+        <p:blipFill rotWithShape="1">
+          <a:blip r:embed="rId15"/>
+          <a:srcRect r="69251" b="53810"/>
+          <a:stretch/>
+        </p:blipFill>
+        <p:spPr>
+          <a:xfrm>
+            <a:off x="244210" y="4285215"/>
+            <a:ext cx="878009" cy="323974"/>
+          </a:xfrm>
+          <a:prstGeom prst="rect">
+            <a:avLst/>
+          </a:prstGeom>
+        </p:spPr>
+      </p:pic>
+      <p:pic>
+        <p:nvPicPr>
+          <p:cNvPr id="22" name="Picture 21">
+            <a:extLst>
+              <a:ext uri="{FF2B5EF4-FFF2-40B4-BE49-F238E27FC236}">
+                <a16:creationId xmlns:a16="http://schemas.microsoft.com/office/drawing/2014/main" id="{D154ECFE-DB8B-8787-1D0F-D501B72CEDBC}"/>
+              </a:ext>
+            </a:extLst>
+          </p:cNvPr>
+          <p:cNvPicPr>
+            <a:picLocks noChangeAspect="1"/>
+          </p:cNvPicPr>
+          <p:nvPr/>
+        </p:nvPicPr>
+        <p:blipFill rotWithShape="1">
+          <a:blip r:embed="rId15"/>
+          <a:srcRect t="35743" r="348"/>
+          <a:stretch/>
+        </p:blipFill>
+        <p:spPr>
+          <a:xfrm>
+            <a:off x="209230" y="4620390"/>
+            <a:ext cx="1908937" cy="612694"/>
+          </a:xfrm>
+          <a:prstGeom prst="rect">
+            <a:avLst/>
+          </a:prstGeom>
+        </p:spPr>
+      </p:pic>
+      <p:pic>
+        <p:nvPicPr>
+          <p:cNvPr id="23" name="Picture 22">
+            <a:extLst>
+              <a:ext uri="{FF2B5EF4-FFF2-40B4-BE49-F238E27FC236}">
+                <a16:creationId xmlns:a16="http://schemas.microsoft.com/office/drawing/2014/main" id="{87F9681B-0572-D4C4-BB6F-09E30D78948C}"/>
+              </a:ext>
+            </a:extLst>
+          </p:cNvPr>
+          <p:cNvPicPr>
+            <a:picLocks noChangeAspect="1"/>
+          </p:cNvPicPr>
+          <p:nvPr/>
+        </p:nvPicPr>
+        <p:blipFill rotWithShape="1">
+          <a:blip r:embed="rId15"/>
+          <a:srcRect r="69251" b="53810"/>
+          <a:stretch/>
+        </p:blipFill>
+        <p:spPr>
+          <a:xfrm>
+            <a:off x="266283" y="3396433"/>
+            <a:ext cx="878009" cy="323974"/>
+          </a:xfrm>
+          <a:prstGeom prst="rect">
+            <a:avLst/>
+          </a:prstGeom>
+        </p:spPr>
+      </p:pic>
+      <p:pic>
+        <p:nvPicPr>
+          <p:cNvPr id="24" name="Picture 23">
+            <a:extLst>
+              <a:ext uri="{FF2B5EF4-FFF2-40B4-BE49-F238E27FC236}">
+                <a16:creationId xmlns:a16="http://schemas.microsoft.com/office/drawing/2014/main" id="{55508515-9138-5FCD-4D0A-990DF99D8AE6}"/>
+              </a:ext>
+            </a:extLst>
+          </p:cNvPr>
+          <p:cNvPicPr>
+            <a:picLocks noChangeAspect="1"/>
+          </p:cNvPicPr>
+          <p:nvPr/>
+        </p:nvPicPr>
+        <p:blipFill rotWithShape="1">
+          <a:blip r:embed="rId15"/>
+          <a:srcRect t="35743" r="348"/>
+          <a:stretch/>
+        </p:blipFill>
+        <p:spPr>
+          <a:xfrm>
+            <a:off x="231303" y="3731608"/>
+            <a:ext cx="1908937" cy="612694"/>
+          </a:xfrm>
+          <a:prstGeom prst="rect">
+            <a:avLst/>
+          </a:prstGeom>
+        </p:spPr>
+      </p:pic>
+      <p:pic>
+        <p:nvPicPr>
+          <p:cNvPr id="25" name="Picture 24">
+            <a:extLst>
+              <a:ext uri="{FF2B5EF4-FFF2-40B4-BE49-F238E27FC236}">
+                <a16:creationId xmlns:a16="http://schemas.microsoft.com/office/drawing/2014/main" id="{ABF2E272-46E9-6080-8B85-20E4C863754F}"/>
+              </a:ext>
+            </a:extLst>
+          </p:cNvPr>
+          <p:cNvPicPr>
+            <a:picLocks noChangeAspect="1"/>
+          </p:cNvPicPr>
+          <p:nvPr/>
+        </p:nvPicPr>
+        <p:blipFill rotWithShape="1">
+          <a:blip r:embed="rId15"/>
+          <a:srcRect r="69251" b="53810"/>
+          <a:stretch/>
+        </p:blipFill>
+        <p:spPr>
+          <a:xfrm>
+            <a:off x="2776367" y="2376102"/>
+            <a:ext cx="1192352" cy="439962"/>
+          </a:xfrm>
+          <a:prstGeom prst="rect">
+            <a:avLst/>
+          </a:prstGeom>
+        </p:spPr>
+      </p:pic>
+      <p:pic>
+        <p:nvPicPr>
+          <p:cNvPr id="26" name="Picture 25">
+            <a:extLst>
+              <a:ext uri="{FF2B5EF4-FFF2-40B4-BE49-F238E27FC236}">
+                <a16:creationId xmlns:a16="http://schemas.microsoft.com/office/drawing/2014/main" id="{37AA5F73-601E-FD57-6D2F-A2F9B960FD76}"/>
+              </a:ext>
+            </a:extLst>
+          </p:cNvPr>
+          <p:cNvPicPr>
+            <a:picLocks noChangeAspect="1"/>
+          </p:cNvPicPr>
+          <p:nvPr/>
+        </p:nvPicPr>
+        <p:blipFill rotWithShape="1">
+          <a:blip r:embed="rId15"/>
+          <a:srcRect r="69251" b="53810"/>
+          <a:stretch/>
+        </p:blipFill>
+        <p:spPr>
+          <a:xfrm>
+            <a:off x="292549" y="2507651"/>
+            <a:ext cx="878009" cy="323974"/>
+          </a:xfrm>
+          <a:prstGeom prst="rect">
+            <a:avLst/>
+          </a:prstGeom>
+        </p:spPr>
+      </p:pic>
+      <p:pic>
+        <p:nvPicPr>
+          <p:cNvPr id="27" name="Picture 26">
+            <a:extLst>
+              <a:ext uri="{FF2B5EF4-FFF2-40B4-BE49-F238E27FC236}">
+                <a16:creationId xmlns:a16="http://schemas.microsoft.com/office/drawing/2014/main" id="{F0A9A3F9-C9EB-C2DE-C136-450C44810F78}"/>
+              </a:ext>
+            </a:extLst>
+          </p:cNvPr>
+          <p:cNvPicPr>
+            <a:picLocks noChangeAspect="1"/>
+          </p:cNvPicPr>
+          <p:nvPr/>
+        </p:nvPicPr>
+        <p:blipFill rotWithShape="1">
+          <a:blip r:embed="rId15"/>
+          <a:srcRect t="35743" r="348"/>
+          <a:stretch/>
+        </p:blipFill>
+        <p:spPr>
+          <a:xfrm>
+            <a:off x="257569" y="2842826"/>
+            <a:ext cx="1908937" cy="612694"/>
+          </a:xfrm>
+          <a:prstGeom prst="rect">
+            <a:avLst/>
+          </a:prstGeom>
+        </p:spPr>
+      </p:pic>
+      <p:pic>
+        <p:nvPicPr>
+          <p:cNvPr id="13" name="Picture 12">
+            <a:extLst>
+              <a:ext uri="{FF2B5EF4-FFF2-40B4-BE49-F238E27FC236}">
+                <a16:creationId xmlns:a16="http://schemas.microsoft.com/office/drawing/2014/main" id="{639D2C6E-D2FF-9358-F8D5-942B4C76424B}"/>
+              </a:ext>
+            </a:extLst>
+          </p:cNvPr>
+          <p:cNvPicPr>
+            <a:picLocks noChangeAspect="1"/>
+          </p:cNvPicPr>
+          <p:nvPr/>
+        </p:nvPicPr>
+        <p:blipFill>
+          <a:blip r:embed="rId16"/>
+          <a:stretch>
+            <a:fillRect/>
+          </a:stretch>
+        </p:blipFill>
+        <p:spPr>
+          <a:xfrm>
             <a:off x="4908102" y="2184579"/>
             <a:ext cx="4147268" cy="3143300"/>
           </a:xfrm>
@@ -11579,7 +12047,7 @@
           <p:nvPr/>
         </p:nvPicPr>
         <p:blipFill rotWithShape="1">
-          <a:blip r:embed="rId15"/>
+          <a:blip r:embed="rId16"/>
           <a:srcRect l="66697" r="30775"/>
           <a:stretch/>
         </p:blipFill>
@@ -11608,7 +12076,7 @@
           <p:nvPr/>
         </p:nvPicPr>
         <p:blipFill rotWithShape="1">
-          <a:blip r:embed="rId15"/>
+          <a:blip r:embed="rId16"/>
           <a:srcRect l="66697" r="30775"/>
           <a:stretch/>
         </p:blipFill>
@@ -11637,7 +12105,7 @@
           <p:nvPr/>
         </p:nvPicPr>
         <p:blipFill rotWithShape="1">
-          <a:blip r:embed="rId16">
+          <a:blip r:embed="rId17">
             <a:extLst>
               <a:ext uri="{28A0092B-C50C-407E-A947-70E740481C1C}">
                 <a14:useLocalDpi xmlns:a14="http://schemas.microsoft.com/office/drawing/2010/main" val="0"/>
@@ -12912,6 +13380,53 @@
           </a:p>
         </p:txBody>
       </p:sp>
+      <p:pic>
+        <p:nvPicPr>
+          <p:cNvPr id="57" name="Picture 4" descr="Barcode">
+            <a:extLst>
+              <a:ext uri="{FF2B5EF4-FFF2-40B4-BE49-F238E27FC236}">
+                <a16:creationId xmlns:a16="http://schemas.microsoft.com/office/drawing/2014/main" id="{2624B34A-7D01-A2F4-2C58-C544A915650A}"/>
+              </a:ext>
+            </a:extLst>
+          </p:cNvPr>
+          <p:cNvPicPr>
+            <a:picLocks noChangeAspect="1" noChangeArrowheads="1"/>
+          </p:cNvPicPr>
+          <p:nvPr/>
+        </p:nvPicPr>
+        <p:blipFill>
+          <a:blip r:embed="rId18">
+            <a:extLst>
+              <a:ext uri="{28A0092B-C50C-407E-A947-70E740481C1C}">
+                <a14:useLocalDpi xmlns:a14="http://schemas.microsoft.com/office/drawing/2010/main" val="0"/>
+              </a:ext>
+            </a:extLst>
+          </a:blip>
+          <a:srcRect/>
+          <a:stretch>
+            <a:fillRect/>
+          </a:stretch>
+        </p:blipFill>
+        <p:spPr bwMode="auto">
+          <a:xfrm>
+            <a:off x="9890357" y="2603729"/>
+            <a:ext cx="261967" cy="261967"/>
+          </a:xfrm>
+          <a:prstGeom prst="rect">
+            <a:avLst/>
+          </a:prstGeom>
+          <a:noFill/>
+          <a:extLst>
+            <a:ext uri="{909E8E84-426E-40DD-AFC4-6F175D3DCCD1}">
+              <a14:hiddenFill xmlns:a14="http://schemas.microsoft.com/office/drawing/2010/main">
+                <a:solidFill>
+                  <a:srgbClr val="FFFFFF"/>
+                </a:solidFill>
+              </a14:hiddenFill>
+            </a:ext>
+          </a:extLst>
+        </p:spPr>
+      </p:pic>
     </p:spTree>
     <p:extLst>
       <p:ext uri="{BB962C8B-B14F-4D97-AF65-F5344CB8AC3E}">

--- a/front-react/protótipo.pptx
+++ b/front-react/protótipo.pptx
@@ -114,6 +114,11 @@
       </a:defRPr>
     </a:lvl9pPr>
   </p:defaultTextStyle>
+  <p:extLst>
+    <p:ext uri="{EFAFB233-063F-42B5-8137-9DF3F51BA10A}">
+      <p15:sldGuideLst xmlns:p15="http://schemas.microsoft.com/office/powerpoint/2012/main"/>
+    </p:ext>
+  </p:extLst>
 </p:presentation>
 </file>
 
@@ -199,7 +204,7 @@
           <a:p>
             <a:fld id="{B5F1918D-904E-014D-90D5-941F813F84D0}" type="datetimeFigureOut">
               <a:rPr lang="en-BR" smtClean="0"/>
-              <a:t>12/10/22</a:t>
+              <a:t>18/10/22</a:t>
             </a:fld>
             <a:endParaRPr lang="en-BR"/>
           </a:p>
@@ -532,7 +537,7 @@
           <a:p>
             <a:fld id="{8D0679E8-9BC7-1344-8169-4317B01D3FE0}" type="slidenum">
               <a:rPr lang="en-BR" smtClean="0"/>
-              <a:t>6</a:t>
+              <a:t>4</a:t>
             </a:fld>
             <a:endParaRPr lang="en-BR"/>
           </a:p>
@@ -541,7 +546,7 @@
     </p:spTree>
     <p:extLst>
       <p:ext uri="{BB962C8B-B14F-4D97-AF65-F5344CB8AC3E}">
-        <p14:creationId xmlns:p14="http://schemas.microsoft.com/office/powerpoint/2010/main" val="1065880244"/>
+        <p14:creationId xmlns:p14="http://schemas.microsoft.com/office/powerpoint/2010/main" val="2929828756"/>
       </p:ext>
     </p:extLst>
   </p:cSld>
@@ -616,6 +621,90 @@
           <a:p>
             <a:fld id="{8D0679E8-9BC7-1344-8169-4317B01D3FE0}" type="slidenum">
               <a:rPr lang="en-BR" smtClean="0"/>
+              <a:t>6</a:t>
+            </a:fld>
+            <a:endParaRPr lang="en-BR"/>
+          </a:p>
+        </p:txBody>
+      </p:sp>
+    </p:spTree>
+    <p:extLst>
+      <p:ext uri="{BB962C8B-B14F-4D97-AF65-F5344CB8AC3E}">
+        <p14:creationId xmlns:p14="http://schemas.microsoft.com/office/powerpoint/2010/main" val="1065880244"/>
+      </p:ext>
+    </p:extLst>
+  </p:cSld>
+  <p:clrMapOvr>
+    <a:masterClrMapping/>
+  </p:clrMapOvr>
+</p:notes>
+</file>
+
+<file path=ppt/notesSlides/notesSlide3.xml><?xml version="1.0" encoding="utf-8"?>
+<p:notes xmlns:a="http://schemas.openxmlformats.org/drawingml/2006/main" xmlns:r="http://schemas.openxmlformats.org/officeDocument/2006/relationships" xmlns:p="http://schemas.openxmlformats.org/presentationml/2006/main">
+  <p:cSld>
+    <p:spTree>
+      <p:nvGrpSpPr>
+        <p:cNvPr id="1" name=""/>
+        <p:cNvGrpSpPr/>
+        <p:nvPr/>
+      </p:nvGrpSpPr>
+      <p:grpSpPr>
+        <a:xfrm>
+          <a:off x="0" y="0"/>
+          <a:ext cx="0" cy="0"/>
+          <a:chOff x="0" y="0"/>
+          <a:chExt cx="0" cy="0"/>
+        </a:xfrm>
+      </p:grpSpPr>
+      <p:sp>
+        <p:nvSpPr>
+          <p:cNvPr id="2" name="Slide Image Placeholder 1"/>
+          <p:cNvSpPr>
+            <a:spLocks noGrp="1" noRot="1" noChangeAspect="1"/>
+          </p:cNvSpPr>
+          <p:nvPr>
+            <p:ph type="sldImg"/>
+          </p:nvPr>
+        </p:nvSpPr>
+        <p:spPr/>
+      </p:sp>
+      <p:sp>
+        <p:nvSpPr>
+          <p:cNvPr id="3" name="Notes Placeholder 2"/>
+          <p:cNvSpPr>
+            <a:spLocks noGrp="1"/>
+          </p:cNvSpPr>
+          <p:nvPr>
+            <p:ph type="body" idx="1"/>
+          </p:nvPr>
+        </p:nvSpPr>
+        <p:spPr/>
+        <p:txBody>
+          <a:bodyPr/>
+          <a:lstStyle/>
+          <a:p>
+            <a:endParaRPr lang="en-BR" dirty="0"/>
+          </a:p>
+        </p:txBody>
+      </p:sp>
+      <p:sp>
+        <p:nvSpPr>
+          <p:cNvPr id="4" name="Slide Number Placeholder 3"/>
+          <p:cNvSpPr>
+            <a:spLocks noGrp="1"/>
+          </p:cNvSpPr>
+          <p:nvPr>
+            <p:ph type="sldNum" sz="quarter" idx="5"/>
+          </p:nvPr>
+        </p:nvSpPr>
+        <p:spPr/>
+        <p:txBody>
+          <a:bodyPr/>
+          <a:lstStyle/>
+          <a:p>
+            <a:fld id="{8D0679E8-9BC7-1344-8169-4317B01D3FE0}" type="slidenum">
+              <a:rPr lang="en-BR" smtClean="0"/>
               <a:t>7</a:t>
             </a:fld>
             <a:endParaRPr lang="en-BR"/>
@@ -635,7 +724,7 @@
 </p:notes>
 </file>
 
-<file path=ppt/notesSlides/notesSlide3.xml><?xml version="1.0" encoding="utf-8"?>
+<file path=ppt/notesSlides/notesSlide4.xml><?xml version="1.0" encoding="utf-8"?>
 <p:notes xmlns:a="http://schemas.openxmlformats.org/drawingml/2006/main" xmlns:r="http://schemas.openxmlformats.org/officeDocument/2006/relationships" xmlns:p="http://schemas.openxmlformats.org/presentationml/2006/main">
   <p:cSld>
     <p:spTree>
@@ -868,7 +957,7 @@
           <a:p>
             <a:fld id="{28C0AAB8-3989-F047-82A4-3AFC1F04B0F0}" type="datetimeFigureOut">
               <a:rPr lang="en-BR" smtClean="0"/>
-              <a:t>11/10/22</a:t>
+              <a:t>18/10/22</a:t>
             </a:fld>
             <a:endParaRPr lang="en-BR"/>
           </a:p>
@@ -1068,7 +1157,7 @@
           <a:p>
             <a:fld id="{28C0AAB8-3989-F047-82A4-3AFC1F04B0F0}" type="datetimeFigureOut">
               <a:rPr lang="en-BR" smtClean="0"/>
-              <a:t>11/10/22</a:t>
+              <a:t>18/10/22</a:t>
             </a:fld>
             <a:endParaRPr lang="en-BR"/>
           </a:p>
@@ -1278,7 +1367,7 @@
           <a:p>
             <a:fld id="{28C0AAB8-3989-F047-82A4-3AFC1F04B0F0}" type="datetimeFigureOut">
               <a:rPr lang="en-BR" smtClean="0"/>
-              <a:t>11/10/22</a:t>
+              <a:t>18/10/22</a:t>
             </a:fld>
             <a:endParaRPr lang="en-BR"/>
           </a:p>
@@ -1478,7 +1567,7 @@
           <a:p>
             <a:fld id="{28C0AAB8-3989-F047-82A4-3AFC1F04B0F0}" type="datetimeFigureOut">
               <a:rPr lang="en-BR" smtClean="0"/>
-              <a:t>11/10/22</a:t>
+              <a:t>18/10/22</a:t>
             </a:fld>
             <a:endParaRPr lang="en-BR"/>
           </a:p>
@@ -1754,7 +1843,7 @@
           <a:p>
             <a:fld id="{28C0AAB8-3989-F047-82A4-3AFC1F04B0F0}" type="datetimeFigureOut">
               <a:rPr lang="en-BR" smtClean="0"/>
-              <a:t>11/10/22</a:t>
+              <a:t>18/10/22</a:t>
             </a:fld>
             <a:endParaRPr lang="en-BR"/>
           </a:p>
@@ -2022,7 +2111,7 @@
           <a:p>
             <a:fld id="{28C0AAB8-3989-F047-82A4-3AFC1F04B0F0}" type="datetimeFigureOut">
               <a:rPr lang="en-BR" smtClean="0"/>
-              <a:t>11/10/22</a:t>
+              <a:t>18/10/22</a:t>
             </a:fld>
             <a:endParaRPr lang="en-BR"/>
           </a:p>
@@ -2437,7 +2526,7 @@
           <a:p>
             <a:fld id="{28C0AAB8-3989-F047-82A4-3AFC1F04B0F0}" type="datetimeFigureOut">
               <a:rPr lang="en-BR" smtClean="0"/>
-              <a:t>11/10/22</a:t>
+              <a:t>18/10/22</a:t>
             </a:fld>
             <a:endParaRPr lang="en-BR"/>
           </a:p>
@@ -2579,7 +2668,7 @@
           <a:p>
             <a:fld id="{28C0AAB8-3989-F047-82A4-3AFC1F04B0F0}" type="datetimeFigureOut">
               <a:rPr lang="en-BR" smtClean="0"/>
-              <a:t>11/10/22</a:t>
+              <a:t>18/10/22</a:t>
             </a:fld>
             <a:endParaRPr lang="en-BR"/>
           </a:p>
@@ -2692,7 +2781,7 @@
           <a:p>
             <a:fld id="{28C0AAB8-3989-F047-82A4-3AFC1F04B0F0}" type="datetimeFigureOut">
               <a:rPr lang="en-BR" smtClean="0"/>
-              <a:t>11/10/22</a:t>
+              <a:t>18/10/22</a:t>
             </a:fld>
             <a:endParaRPr lang="en-BR"/>
           </a:p>
@@ -3005,7 +3094,7 @@
           <a:p>
             <a:fld id="{28C0AAB8-3989-F047-82A4-3AFC1F04B0F0}" type="datetimeFigureOut">
               <a:rPr lang="en-BR" smtClean="0"/>
-              <a:t>11/10/22</a:t>
+              <a:t>18/10/22</a:t>
             </a:fld>
             <a:endParaRPr lang="en-BR"/>
           </a:p>
@@ -3294,7 +3383,7 @@
           <a:p>
             <a:fld id="{28C0AAB8-3989-F047-82A4-3AFC1F04B0F0}" type="datetimeFigureOut">
               <a:rPr lang="en-BR" smtClean="0"/>
-              <a:t>11/10/22</a:t>
+              <a:t>18/10/22</a:t>
             </a:fld>
             <a:endParaRPr lang="en-BR"/>
           </a:p>
@@ -3537,7 +3626,7 @@
           <a:p>
             <a:fld id="{28C0AAB8-3989-F047-82A4-3AFC1F04B0F0}" type="datetimeFigureOut">
               <a:rPr lang="en-BR" smtClean="0"/>
-              <a:t>11/10/22</a:t>
+              <a:t>18/10/22</a:t>
             </a:fld>
             <a:endParaRPr lang="en-BR"/>
           </a:p>
@@ -4962,36 +5051,6 @@
           <p:nvPr/>
         </p:nvPicPr>
         <p:blipFill>
-          <a:blip r:embed="rId2"/>
-          <a:stretch>
-            <a:fillRect/>
-          </a:stretch>
-        </p:blipFill>
-        <p:spPr>
-          <a:xfrm>
-            <a:off x="0" y="0"/>
-            <a:ext cx="10987314" cy="6858486"/>
-          </a:xfrm>
-          <a:prstGeom prst="rect">
-            <a:avLst/>
-          </a:prstGeom>
-        </p:spPr>
-      </p:pic>
-      <p:pic>
-        <p:nvPicPr>
-          <p:cNvPr id="2" name="Picture 1">
-            <a:extLst>
-              <a:ext uri="{FF2B5EF4-FFF2-40B4-BE49-F238E27FC236}">
-                <a16:creationId xmlns:a16="http://schemas.microsoft.com/office/drawing/2014/main" id="{AAB98E17-1B60-6AF0-2B58-23D29B60A7E8}"/>
-              </a:ext>
-            </a:extLst>
-          </p:cNvPr>
-          <p:cNvPicPr>
-            <a:picLocks noChangeAspect="1"/>
-          </p:cNvPicPr>
-          <p:nvPr/>
-        </p:nvPicPr>
-        <p:blipFill>
           <a:blip r:embed="rId3"/>
           <a:stretch>
             <a:fillRect/>
@@ -4999,20 +5058,20 @@
         </p:blipFill>
         <p:spPr>
           <a:xfrm>
-            <a:off x="0" y="1117600"/>
-            <a:ext cx="10987314" cy="5210629"/>
-          </a:xfrm>
-          <a:prstGeom prst="rect">
-            <a:avLst/>
-          </a:prstGeom>
-        </p:spPr>
-      </p:pic>
-      <p:pic>
-        <p:nvPicPr>
-          <p:cNvPr id="3" name="Picture 2">
-            <a:extLst>
-              <a:ext uri="{FF2B5EF4-FFF2-40B4-BE49-F238E27FC236}">
-                <a16:creationId xmlns:a16="http://schemas.microsoft.com/office/drawing/2014/main" id="{F676C402-8F09-9ADF-DB97-24DD08A690F4}"/>
+            <a:off x="0" y="0"/>
+            <a:ext cx="10987314" cy="6858486"/>
+          </a:xfrm>
+          <a:prstGeom prst="rect">
+            <a:avLst/>
+          </a:prstGeom>
+        </p:spPr>
+      </p:pic>
+      <p:pic>
+        <p:nvPicPr>
+          <p:cNvPr id="2" name="Picture 1">
+            <a:extLst>
+              <a:ext uri="{FF2B5EF4-FFF2-40B4-BE49-F238E27FC236}">
+                <a16:creationId xmlns:a16="http://schemas.microsoft.com/office/drawing/2014/main" id="{AAB98E17-1B60-6AF0-2B58-23D29B60A7E8}"/>
               </a:ext>
             </a:extLst>
           </p:cNvPr>
@@ -5029,6 +5088,36 @@
         </p:blipFill>
         <p:spPr>
           <a:xfrm>
+            <a:off x="0" y="1117600"/>
+            <a:ext cx="10987314" cy="5210629"/>
+          </a:xfrm>
+          <a:prstGeom prst="rect">
+            <a:avLst/>
+          </a:prstGeom>
+        </p:spPr>
+      </p:pic>
+      <p:pic>
+        <p:nvPicPr>
+          <p:cNvPr id="3" name="Picture 2">
+            <a:extLst>
+              <a:ext uri="{FF2B5EF4-FFF2-40B4-BE49-F238E27FC236}">
+                <a16:creationId xmlns:a16="http://schemas.microsoft.com/office/drawing/2014/main" id="{F676C402-8F09-9ADF-DB97-24DD08A690F4}"/>
+              </a:ext>
+            </a:extLst>
+          </p:cNvPr>
+          <p:cNvPicPr>
+            <a:picLocks noChangeAspect="1"/>
+          </p:cNvPicPr>
+          <p:nvPr/>
+        </p:nvPicPr>
+        <p:blipFill>
+          <a:blip r:embed="rId5"/>
+          <a:stretch>
+            <a:fillRect/>
+          </a:stretch>
+        </p:blipFill>
+        <p:spPr>
+          <a:xfrm>
             <a:off x="-1" y="1117600"/>
             <a:ext cx="10987313" cy="5210628"/>
           </a:xfrm>
@@ -5052,7 +5141,7 @@
           <p:nvPr/>
         </p:nvPicPr>
         <p:blipFill rotWithShape="1">
-          <a:blip r:embed="rId5"/>
+          <a:blip r:embed="rId6"/>
           <a:srcRect l="6010" t="6561" r="68162" b="64187"/>
           <a:stretch/>
         </p:blipFill>
@@ -5072,6 +5161,95 @@
             <a:extLst>
               <a:ext uri="{FF2B5EF4-FFF2-40B4-BE49-F238E27FC236}">
                 <a16:creationId xmlns:a16="http://schemas.microsoft.com/office/drawing/2014/main" id="{8FF660A5-3487-BCD5-5581-7A24FBA58EB5}"/>
+              </a:ext>
+            </a:extLst>
+          </p:cNvPr>
+          <p:cNvPicPr>
+            <a:picLocks noChangeAspect="1"/>
+          </p:cNvPicPr>
+          <p:nvPr/>
+        </p:nvPicPr>
+        <p:blipFill>
+          <a:blip r:embed="rId7"/>
+          <a:stretch>
+            <a:fillRect/>
+          </a:stretch>
+        </p:blipFill>
+        <p:spPr>
+          <a:xfrm>
+            <a:off x="0" y="1117599"/>
+            <a:ext cx="10987312" cy="334769"/>
+          </a:xfrm>
+          <a:prstGeom prst="rect">
+            <a:avLst/>
+          </a:prstGeom>
+        </p:spPr>
+      </p:pic>
+      <p:pic>
+        <p:nvPicPr>
+          <p:cNvPr id="6" name="Picture 5">
+            <a:extLst>
+              <a:ext uri="{FF2B5EF4-FFF2-40B4-BE49-F238E27FC236}">
+                <a16:creationId xmlns:a16="http://schemas.microsoft.com/office/drawing/2014/main" id="{2434FCCB-1992-8EFB-35CA-130A7B718714}"/>
+              </a:ext>
+            </a:extLst>
+          </p:cNvPr>
+          <p:cNvPicPr>
+            <a:picLocks noChangeAspect="1"/>
+          </p:cNvPicPr>
+          <p:nvPr/>
+        </p:nvPicPr>
+        <p:blipFill>
+          <a:blip r:embed="rId8"/>
+          <a:stretch>
+            <a:fillRect/>
+          </a:stretch>
+        </p:blipFill>
+        <p:spPr>
+          <a:xfrm>
+            <a:off x="92597" y="1624916"/>
+            <a:ext cx="9114597" cy="530257"/>
+          </a:xfrm>
+          <a:prstGeom prst="rect">
+            <a:avLst/>
+          </a:prstGeom>
+        </p:spPr>
+      </p:pic>
+      <p:pic>
+        <p:nvPicPr>
+          <p:cNvPr id="4" name="Picture 3">
+            <a:extLst>
+              <a:ext uri="{FF2B5EF4-FFF2-40B4-BE49-F238E27FC236}">
+                <a16:creationId xmlns:a16="http://schemas.microsoft.com/office/drawing/2014/main" id="{C91F96F3-5579-C318-9114-F9A959D1BA77}"/>
+              </a:ext>
+            </a:extLst>
+          </p:cNvPr>
+          <p:cNvPicPr>
+            <a:picLocks noChangeAspect="1"/>
+          </p:cNvPicPr>
+          <p:nvPr/>
+        </p:nvPicPr>
+        <p:blipFill rotWithShape="1">
+          <a:blip r:embed="rId9"/>
+          <a:srcRect l="3630" t="8398" r="84229" b="26189"/>
+          <a:stretch/>
+        </p:blipFill>
+        <p:spPr>
+          <a:xfrm>
+            <a:off x="196596" y="1781187"/>
+            <a:ext cx="1077523" cy="217714"/>
+          </a:xfrm>
+          <a:prstGeom prst="rect">
+            <a:avLst/>
+          </a:prstGeom>
+        </p:spPr>
+      </p:pic>
+      <p:pic>
+        <p:nvPicPr>
+          <p:cNvPr id="7" name="Picture 6">
+            <a:extLst>
+              <a:ext uri="{FF2B5EF4-FFF2-40B4-BE49-F238E27FC236}">
+                <a16:creationId xmlns:a16="http://schemas.microsoft.com/office/drawing/2014/main" id="{EBAD451E-E307-2160-B875-14AE090CCFE3}"/>
               </a:ext>
             </a:extLst>
           </p:cNvPr>
@@ -5088,95 +5266,6 @@
         </p:blipFill>
         <p:spPr>
           <a:xfrm>
-            <a:off x="0" y="1117599"/>
-            <a:ext cx="10987312" cy="334769"/>
-          </a:xfrm>
-          <a:prstGeom prst="rect">
-            <a:avLst/>
-          </a:prstGeom>
-        </p:spPr>
-      </p:pic>
-      <p:pic>
-        <p:nvPicPr>
-          <p:cNvPr id="6" name="Picture 5">
-            <a:extLst>
-              <a:ext uri="{FF2B5EF4-FFF2-40B4-BE49-F238E27FC236}">
-                <a16:creationId xmlns:a16="http://schemas.microsoft.com/office/drawing/2014/main" id="{2434FCCB-1992-8EFB-35CA-130A7B718714}"/>
-              </a:ext>
-            </a:extLst>
-          </p:cNvPr>
-          <p:cNvPicPr>
-            <a:picLocks noChangeAspect="1"/>
-          </p:cNvPicPr>
-          <p:nvPr/>
-        </p:nvPicPr>
-        <p:blipFill>
-          <a:blip r:embed="rId7"/>
-          <a:stretch>
-            <a:fillRect/>
-          </a:stretch>
-        </p:blipFill>
-        <p:spPr>
-          <a:xfrm>
-            <a:off x="92597" y="1624916"/>
-            <a:ext cx="9114597" cy="530257"/>
-          </a:xfrm>
-          <a:prstGeom prst="rect">
-            <a:avLst/>
-          </a:prstGeom>
-        </p:spPr>
-      </p:pic>
-      <p:pic>
-        <p:nvPicPr>
-          <p:cNvPr id="4" name="Picture 3">
-            <a:extLst>
-              <a:ext uri="{FF2B5EF4-FFF2-40B4-BE49-F238E27FC236}">
-                <a16:creationId xmlns:a16="http://schemas.microsoft.com/office/drawing/2014/main" id="{C91F96F3-5579-C318-9114-F9A959D1BA77}"/>
-              </a:ext>
-            </a:extLst>
-          </p:cNvPr>
-          <p:cNvPicPr>
-            <a:picLocks noChangeAspect="1"/>
-          </p:cNvPicPr>
-          <p:nvPr/>
-        </p:nvPicPr>
-        <p:blipFill rotWithShape="1">
-          <a:blip r:embed="rId8"/>
-          <a:srcRect l="3630" t="8398" r="84229" b="26189"/>
-          <a:stretch/>
-        </p:blipFill>
-        <p:spPr>
-          <a:xfrm>
-            <a:off x="196596" y="1781187"/>
-            <a:ext cx="1077523" cy="217714"/>
-          </a:xfrm>
-          <a:prstGeom prst="rect">
-            <a:avLst/>
-          </a:prstGeom>
-        </p:spPr>
-      </p:pic>
-      <p:pic>
-        <p:nvPicPr>
-          <p:cNvPr id="7" name="Picture 6">
-            <a:extLst>
-              <a:ext uri="{FF2B5EF4-FFF2-40B4-BE49-F238E27FC236}">
-                <a16:creationId xmlns:a16="http://schemas.microsoft.com/office/drawing/2014/main" id="{EBAD451E-E307-2160-B875-14AE090CCFE3}"/>
-              </a:ext>
-            </a:extLst>
-          </p:cNvPr>
-          <p:cNvPicPr>
-            <a:picLocks noChangeAspect="1"/>
-          </p:cNvPicPr>
-          <p:nvPr/>
-        </p:nvPicPr>
-        <p:blipFill>
-          <a:blip r:embed="rId5"/>
-          <a:stretch>
-            <a:fillRect/>
-          </a:stretch>
-        </p:blipFill>
-        <p:spPr>
-          <a:xfrm>
             <a:off x="4815402" y="2119085"/>
             <a:ext cx="4391792" cy="3232132"/>
           </a:xfrm>
@@ -5200,7 +5289,7 @@
           <p:nvPr/>
         </p:nvPicPr>
         <p:blipFill rotWithShape="1">
-          <a:blip r:embed="rId9"/>
+          <a:blip r:embed="rId10"/>
           <a:srcRect b="23578"/>
           <a:stretch/>
         </p:blipFill>
@@ -5220,36 +5309,6 @@
             <a:extLst>
               <a:ext uri="{FF2B5EF4-FFF2-40B4-BE49-F238E27FC236}">
                 <a16:creationId xmlns:a16="http://schemas.microsoft.com/office/drawing/2014/main" id="{C8EA4F29-B621-3F92-53C6-1C8643149795}"/>
-              </a:ext>
-            </a:extLst>
-          </p:cNvPr>
-          <p:cNvPicPr>
-            <a:picLocks noChangeAspect="1"/>
-          </p:cNvPicPr>
-          <p:nvPr/>
-        </p:nvPicPr>
-        <p:blipFill>
-          <a:blip r:embed="rId10"/>
-          <a:stretch>
-            <a:fillRect/>
-          </a:stretch>
-        </p:blipFill>
-        <p:spPr>
-          <a:xfrm>
-            <a:off x="125031" y="5351218"/>
-            <a:ext cx="9114597" cy="832050"/>
-          </a:xfrm>
-          <a:prstGeom prst="rect">
-            <a:avLst/>
-          </a:prstGeom>
-        </p:spPr>
-      </p:pic>
-      <p:pic>
-        <p:nvPicPr>
-          <p:cNvPr id="11" name="Picture 10">
-            <a:extLst>
-              <a:ext uri="{FF2B5EF4-FFF2-40B4-BE49-F238E27FC236}">
-                <a16:creationId xmlns:a16="http://schemas.microsoft.com/office/drawing/2014/main" id="{2D9F402F-492B-4695-ACD1-743BE1D11C95}"/>
               </a:ext>
             </a:extLst>
           </p:cNvPr>
@@ -5266,20 +5325,20 @@
         </p:blipFill>
         <p:spPr>
           <a:xfrm>
-            <a:off x="2744875" y="2749582"/>
-            <a:ext cx="1602238" cy="1467743"/>
-          </a:xfrm>
-          <a:prstGeom prst="rect">
-            <a:avLst/>
-          </a:prstGeom>
-        </p:spPr>
-      </p:pic>
-      <p:pic>
-        <p:nvPicPr>
-          <p:cNvPr id="14" name="Picture 13">
-            <a:extLst>
-              <a:ext uri="{FF2B5EF4-FFF2-40B4-BE49-F238E27FC236}">
-                <a16:creationId xmlns:a16="http://schemas.microsoft.com/office/drawing/2014/main" id="{569BFBCB-0ED2-7542-95D3-1FD68D67ADE6}"/>
+            <a:off x="125031" y="5351218"/>
+            <a:ext cx="9114597" cy="832050"/>
+          </a:xfrm>
+          <a:prstGeom prst="rect">
+            <a:avLst/>
+          </a:prstGeom>
+        </p:spPr>
+      </p:pic>
+      <p:pic>
+        <p:nvPicPr>
+          <p:cNvPr id="11" name="Picture 10">
+            <a:extLst>
+              <a:ext uri="{FF2B5EF4-FFF2-40B4-BE49-F238E27FC236}">
+                <a16:creationId xmlns:a16="http://schemas.microsoft.com/office/drawing/2014/main" id="{2D9F402F-492B-4695-ACD1-743BE1D11C95}"/>
               </a:ext>
             </a:extLst>
           </p:cNvPr>
@@ -5296,78 +5355,20 @@
         </p:blipFill>
         <p:spPr>
           <a:xfrm>
-            <a:off x="2963946" y="4797559"/>
-            <a:ext cx="1246821" cy="474536"/>
-          </a:xfrm>
-          <a:prstGeom prst="rect">
-            <a:avLst/>
-          </a:prstGeom>
-        </p:spPr>
-      </p:pic>
-      <p:pic>
-        <p:nvPicPr>
-          <p:cNvPr id="15" name="Picture 14">
-            <a:extLst>
-              <a:ext uri="{FF2B5EF4-FFF2-40B4-BE49-F238E27FC236}">
-                <a16:creationId xmlns:a16="http://schemas.microsoft.com/office/drawing/2014/main" id="{B855C8FF-F3B7-3953-5BB2-A3D26E651057}"/>
-              </a:ext>
-            </a:extLst>
-          </p:cNvPr>
-          <p:cNvPicPr>
-            <a:picLocks noChangeAspect="1"/>
-          </p:cNvPicPr>
-          <p:nvPr/>
-        </p:nvPicPr>
-        <p:blipFill rotWithShape="1">
-          <a:blip r:embed="rId10"/>
-          <a:srcRect r="56442"/>
-          <a:stretch/>
-        </p:blipFill>
-        <p:spPr>
-          <a:xfrm>
-            <a:off x="92597" y="5355430"/>
-            <a:ext cx="6003404" cy="832050"/>
-          </a:xfrm>
-          <a:prstGeom prst="rect">
-            <a:avLst/>
-          </a:prstGeom>
-        </p:spPr>
-      </p:pic>
-      <p:pic>
-        <p:nvPicPr>
-          <p:cNvPr id="16" name="Picture 15">
-            <a:extLst>
-              <a:ext uri="{FF2B5EF4-FFF2-40B4-BE49-F238E27FC236}">
-                <a16:creationId xmlns:a16="http://schemas.microsoft.com/office/drawing/2014/main" id="{21F8070D-9A44-F1D6-F7F0-50D0F440281F}"/>
-              </a:ext>
-            </a:extLst>
-          </p:cNvPr>
-          <p:cNvPicPr>
-            <a:picLocks noChangeAspect="1"/>
-          </p:cNvPicPr>
-          <p:nvPr/>
-        </p:nvPicPr>
-        <p:blipFill rotWithShape="1">
-          <a:blip r:embed="rId10"/>
-          <a:srcRect l="16256" r="37901"/>
-          <a:stretch/>
-        </p:blipFill>
-        <p:spPr>
-          <a:xfrm>
-            <a:off x="2384386" y="5422646"/>
-            <a:ext cx="4027990" cy="737283"/>
-          </a:xfrm>
-          <a:prstGeom prst="rect">
-            <a:avLst/>
-          </a:prstGeom>
-        </p:spPr>
-      </p:pic>
-      <p:pic>
-        <p:nvPicPr>
-          <p:cNvPr id="18" name="Picture 17">
-            <a:extLst>
-              <a:ext uri="{FF2B5EF4-FFF2-40B4-BE49-F238E27FC236}">
-                <a16:creationId xmlns:a16="http://schemas.microsoft.com/office/drawing/2014/main" id="{14EA8CBB-F6E5-49B3-947A-20819624EACA}"/>
+            <a:off x="2744875" y="2749582"/>
+            <a:ext cx="1602238" cy="1467743"/>
+          </a:xfrm>
+          <a:prstGeom prst="rect">
+            <a:avLst/>
+          </a:prstGeom>
+        </p:spPr>
+      </p:pic>
+      <p:pic>
+        <p:nvPicPr>
+          <p:cNvPr id="14" name="Picture 13">
+            <a:extLst>
+              <a:ext uri="{FF2B5EF4-FFF2-40B4-BE49-F238E27FC236}">
+                <a16:creationId xmlns:a16="http://schemas.microsoft.com/office/drawing/2014/main" id="{569BFBCB-0ED2-7542-95D3-1FD68D67ADE6}"/>
               </a:ext>
             </a:extLst>
           </p:cNvPr>
@@ -5384,20 +5385,20 @@
         </p:blipFill>
         <p:spPr>
           <a:xfrm>
-            <a:off x="2920809" y="4327812"/>
-            <a:ext cx="1209661" cy="549066"/>
-          </a:xfrm>
-          <a:prstGeom prst="rect">
-            <a:avLst/>
-          </a:prstGeom>
-        </p:spPr>
-      </p:pic>
-      <p:pic>
-        <p:nvPicPr>
-          <p:cNvPr id="21" name="Picture 20">
-            <a:extLst>
-              <a:ext uri="{FF2B5EF4-FFF2-40B4-BE49-F238E27FC236}">
-                <a16:creationId xmlns:a16="http://schemas.microsoft.com/office/drawing/2014/main" id="{9FB490FE-9A99-27C5-2C86-5AF2FF555D33}"/>
+            <a:off x="2963946" y="4797559"/>
+            <a:ext cx="1246821" cy="474536"/>
+          </a:xfrm>
+          <a:prstGeom prst="rect">
+            <a:avLst/>
+          </a:prstGeom>
+        </p:spPr>
+      </p:pic>
+      <p:pic>
+        <p:nvPicPr>
+          <p:cNvPr id="15" name="Picture 14">
+            <a:extLst>
+              <a:ext uri="{FF2B5EF4-FFF2-40B4-BE49-F238E27FC236}">
+                <a16:creationId xmlns:a16="http://schemas.microsoft.com/office/drawing/2014/main" id="{B855C8FF-F3B7-3953-5BB2-A3D26E651057}"/>
               </a:ext>
             </a:extLst>
           </p:cNvPr>
@@ -5407,216 +5408,304 @@
           <p:nvPr/>
         </p:nvPicPr>
         <p:blipFill rotWithShape="1">
+          <a:blip r:embed="rId11"/>
+          <a:srcRect r="56442"/>
+          <a:stretch/>
+        </p:blipFill>
+        <p:spPr>
+          <a:xfrm>
+            <a:off x="92597" y="5355430"/>
+            <a:ext cx="6003404" cy="832050"/>
+          </a:xfrm>
+          <a:prstGeom prst="rect">
+            <a:avLst/>
+          </a:prstGeom>
+        </p:spPr>
+      </p:pic>
+      <p:pic>
+        <p:nvPicPr>
+          <p:cNvPr id="16" name="Picture 15">
+            <a:extLst>
+              <a:ext uri="{FF2B5EF4-FFF2-40B4-BE49-F238E27FC236}">
+                <a16:creationId xmlns:a16="http://schemas.microsoft.com/office/drawing/2014/main" id="{21F8070D-9A44-F1D6-F7F0-50D0F440281F}"/>
+              </a:ext>
+            </a:extLst>
+          </p:cNvPr>
+          <p:cNvPicPr>
+            <a:picLocks noChangeAspect="1"/>
+          </p:cNvPicPr>
+          <p:nvPr/>
+        </p:nvPicPr>
+        <p:blipFill rotWithShape="1">
+          <a:blip r:embed="rId11"/>
+          <a:srcRect l="16256" r="37901"/>
+          <a:stretch/>
+        </p:blipFill>
+        <p:spPr>
+          <a:xfrm>
+            <a:off x="2384386" y="5422646"/>
+            <a:ext cx="4027990" cy="737283"/>
+          </a:xfrm>
+          <a:prstGeom prst="rect">
+            <a:avLst/>
+          </a:prstGeom>
+        </p:spPr>
+      </p:pic>
+      <p:pic>
+        <p:nvPicPr>
+          <p:cNvPr id="18" name="Picture 17">
+            <a:extLst>
+              <a:ext uri="{FF2B5EF4-FFF2-40B4-BE49-F238E27FC236}">
+                <a16:creationId xmlns:a16="http://schemas.microsoft.com/office/drawing/2014/main" id="{14EA8CBB-F6E5-49B3-947A-20819624EACA}"/>
+              </a:ext>
+            </a:extLst>
+          </p:cNvPr>
+          <p:cNvPicPr>
+            <a:picLocks noChangeAspect="1"/>
+          </p:cNvPicPr>
+          <p:nvPr/>
+        </p:nvPicPr>
+        <p:blipFill>
           <a:blip r:embed="rId14"/>
-          <a:srcRect r="69251" b="53810"/>
-          <a:stretch/>
-        </p:blipFill>
-        <p:spPr>
-          <a:xfrm>
-            <a:off x="244210" y="4285215"/>
-            <a:ext cx="878009" cy="323974"/>
-          </a:xfrm>
-          <a:prstGeom prst="rect">
-            <a:avLst/>
-          </a:prstGeom>
-        </p:spPr>
-      </p:pic>
-      <p:pic>
-        <p:nvPicPr>
-          <p:cNvPr id="22" name="Picture 21">
-            <a:extLst>
-              <a:ext uri="{FF2B5EF4-FFF2-40B4-BE49-F238E27FC236}">
-                <a16:creationId xmlns:a16="http://schemas.microsoft.com/office/drawing/2014/main" id="{D154ECFE-DB8B-8787-1D0F-D501B72CEDBC}"/>
-              </a:ext>
-            </a:extLst>
-          </p:cNvPr>
-          <p:cNvPicPr>
-            <a:picLocks noChangeAspect="1"/>
-          </p:cNvPicPr>
-          <p:nvPr/>
-        </p:nvPicPr>
-        <p:blipFill rotWithShape="1">
-          <a:blip r:embed="rId14"/>
-          <a:srcRect t="35743" r="348"/>
-          <a:stretch/>
-        </p:blipFill>
-        <p:spPr>
-          <a:xfrm>
-            <a:off x="209230" y="4620390"/>
-            <a:ext cx="1908937" cy="612694"/>
-          </a:xfrm>
-          <a:prstGeom prst="rect">
-            <a:avLst/>
-          </a:prstGeom>
-        </p:spPr>
-      </p:pic>
-      <p:pic>
-        <p:nvPicPr>
-          <p:cNvPr id="23" name="Picture 22">
-            <a:extLst>
-              <a:ext uri="{FF2B5EF4-FFF2-40B4-BE49-F238E27FC236}">
-                <a16:creationId xmlns:a16="http://schemas.microsoft.com/office/drawing/2014/main" id="{87F9681B-0572-D4C4-BB6F-09E30D78948C}"/>
-              </a:ext>
-            </a:extLst>
-          </p:cNvPr>
-          <p:cNvPicPr>
-            <a:picLocks noChangeAspect="1"/>
-          </p:cNvPicPr>
-          <p:nvPr/>
-        </p:nvPicPr>
-        <p:blipFill rotWithShape="1">
-          <a:blip r:embed="rId14"/>
-          <a:srcRect r="69251" b="53810"/>
-          <a:stretch/>
-        </p:blipFill>
-        <p:spPr>
-          <a:xfrm>
-            <a:off x="266283" y="3396433"/>
-            <a:ext cx="878009" cy="323974"/>
-          </a:xfrm>
-          <a:prstGeom prst="rect">
-            <a:avLst/>
-          </a:prstGeom>
-        </p:spPr>
-      </p:pic>
-      <p:pic>
-        <p:nvPicPr>
-          <p:cNvPr id="24" name="Picture 23">
-            <a:extLst>
-              <a:ext uri="{FF2B5EF4-FFF2-40B4-BE49-F238E27FC236}">
-                <a16:creationId xmlns:a16="http://schemas.microsoft.com/office/drawing/2014/main" id="{55508515-9138-5FCD-4D0A-990DF99D8AE6}"/>
-              </a:ext>
-            </a:extLst>
-          </p:cNvPr>
-          <p:cNvPicPr>
-            <a:picLocks noChangeAspect="1"/>
-          </p:cNvPicPr>
-          <p:nvPr/>
-        </p:nvPicPr>
-        <p:blipFill rotWithShape="1">
-          <a:blip r:embed="rId14"/>
-          <a:srcRect t="35743" r="348"/>
-          <a:stretch/>
-        </p:blipFill>
-        <p:spPr>
-          <a:xfrm>
-            <a:off x="231303" y="3731608"/>
-            <a:ext cx="1908937" cy="612694"/>
-          </a:xfrm>
-          <a:prstGeom prst="rect">
-            <a:avLst/>
-          </a:prstGeom>
-        </p:spPr>
-      </p:pic>
-      <p:pic>
-        <p:nvPicPr>
-          <p:cNvPr id="25" name="Picture 24">
-            <a:extLst>
-              <a:ext uri="{FF2B5EF4-FFF2-40B4-BE49-F238E27FC236}">
-                <a16:creationId xmlns:a16="http://schemas.microsoft.com/office/drawing/2014/main" id="{ABF2E272-46E9-6080-8B85-20E4C863754F}"/>
-              </a:ext>
-            </a:extLst>
-          </p:cNvPr>
-          <p:cNvPicPr>
-            <a:picLocks noChangeAspect="1"/>
-          </p:cNvPicPr>
-          <p:nvPr/>
-        </p:nvPicPr>
-        <p:blipFill rotWithShape="1">
-          <a:blip r:embed="rId14"/>
-          <a:srcRect r="69251" b="53810"/>
-          <a:stretch/>
-        </p:blipFill>
-        <p:spPr>
-          <a:xfrm>
-            <a:off x="2776367" y="2376102"/>
-            <a:ext cx="1192352" cy="439962"/>
-          </a:xfrm>
-          <a:prstGeom prst="rect">
-            <a:avLst/>
-          </a:prstGeom>
-        </p:spPr>
-      </p:pic>
-      <p:pic>
-        <p:nvPicPr>
-          <p:cNvPr id="26" name="Picture 25">
-            <a:extLst>
-              <a:ext uri="{FF2B5EF4-FFF2-40B4-BE49-F238E27FC236}">
-                <a16:creationId xmlns:a16="http://schemas.microsoft.com/office/drawing/2014/main" id="{37AA5F73-601E-FD57-6D2F-A2F9B960FD76}"/>
-              </a:ext>
-            </a:extLst>
-          </p:cNvPr>
-          <p:cNvPicPr>
-            <a:picLocks noChangeAspect="1"/>
-          </p:cNvPicPr>
-          <p:nvPr/>
-        </p:nvPicPr>
-        <p:blipFill rotWithShape="1">
-          <a:blip r:embed="rId14"/>
-          <a:srcRect r="69251" b="53810"/>
-          <a:stretch/>
-        </p:blipFill>
-        <p:spPr>
-          <a:xfrm>
-            <a:off x="292549" y="2507651"/>
-            <a:ext cx="878009" cy="323974"/>
-          </a:xfrm>
-          <a:prstGeom prst="rect">
-            <a:avLst/>
-          </a:prstGeom>
-        </p:spPr>
-      </p:pic>
-      <p:pic>
-        <p:nvPicPr>
-          <p:cNvPr id="27" name="Picture 26">
-            <a:extLst>
-              <a:ext uri="{FF2B5EF4-FFF2-40B4-BE49-F238E27FC236}">
-                <a16:creationId xmlns:a16="http://schemas.microsoft.com/office/drawing/2014/main" id="{F0A9A3F9-C9EB-C2DE-C136-450C44810F78}"/>
-              </a:ext>
-            </a:extLst>
-          </p:cNvPr>
-          <p:cNvPicPr>
-            <a:picLocks noChangeAspect="1"/>
-          </p:cNvPicPr>
-          <p:nvPr/>
-        </p:nvPicPr>
-        <p:blipFill rotWithShape="1">
-          <a:blip r:embed="rId14"/>
-          <a:srcRect t="35743" r="348"/>
-          <a:stretch/>
-        </p:blipFill>
-        <p:spPr>
-          <a:xfrm>
-            <a:off x="257569" y="2842826"/>
-            <a:ext cx="1908937" cy="612694"/>
-          </a:xfrm>
-          <a:prstGeom prst="rect">
-            <a:avLst/>
-          </a:prstGeom>
-        </p:spPr>
-      </p:pic>
-      <p:pic>
-        <p:nvPicPr>
-          <p:cNvPr id="13" name="Picture 12">
-            <a:extLst>
-              <a:ext uri="{FF2B5EF4-FFF2-40B4-BE49-F238E27FC236}">
-                <a16:creationId xmlns:a16="http://schemas.microsoft.com/office/drawing/2014/main" id="{639D2C6E-D2FF-9358-F8D5-942B4C76424B}"/>
-              </a:ext>
-            </a:extLst>
-          </p:cNvPr>
-          <p:cNvPicPr>
-            <a:picLocks noChangeAspect="1"/>
-          </p:cNvPicPr>
-          <p:nvPr/>
-        </p:nvPicPr>
-        <p:blipFill>
-          <a:blip r:embed="rId15"/>
           <a:stretch>
             <a:fillRect/>
           </a:stretch>
         </p:blipFill>
         <p:spPr>
           <a:xfrm>
+            <a:off x="2920809" y="4327812"/>
+            <a:ext cx="1209661" cy="549066"/>
+          </a:xfrm>
+          <a:prstGeom prst="rect">
+            <a:avLst/>
+          </a:prstGeom>
+        </p:spPr>
+      </p:pic>
+      <p:pic>
+        <p:nvPicPr>
+          <p:cNvPr id="21" name="Picture 20">
+            <a:extLst>
+              <a:ext uri="{FF2B5EF4-FFF2-40B4-BE49-F238E27FC236}">
+                <a16:creationId xmlns:a16="http://schemas.microsoft.com/office/drawing/2014/main" id="{9FB490FE-9A99-27C5-2C86-5AF2FF555D33}"/>
+              </a:ext>
+            </a:extLst>
+          </p:cNvPr>
+          <p:cNvPicPr>
+            <a:picLocks noChangeAspect="1"/>
+          </p:cNvPicPr>
+          <p:nvPr/>
+        </p:nvPicPr>
+        <p:blipFill rotWithShape="1">
+          <a:blip r:embed="rId15"/>
+          <a:srcRect r="69251" b="53810"/>
+          <a:stretch/>
+        </p:blipFill>
+        <p:spPr>
+          <a:xfrm>
+            <a:off x="244210" y="4285215"/>
+            <a:ext cx="878009" cy="323974"/>
+          </a:xfrm>
+          <a:prstGeom prst="rect">
+            <a:avLst/>
+          </a:prstGeom>
+        </p:spPr>
+      </p:pic>
+      <p:pic>
+        <p:nvPicPr>
+          <p:cNvPr id="22" name="Picture 21">
+            <a:extLst>
+              <a:ext uri="{FF2B5EF4-FFF2-40B4-BE49-F238E27FC236}">
+                <a16:creationId xmlns:a16="http://schemas.microsoft.com/office/drawing/2014/main" id="{D154ECFE-DB8B-8787-1D0F-D501B72CEDBC}"/>
+              </a:ext>
+            </a:extLst>
+          </p:cNvPr>
+          <p:cNvPicPr>
+            <a:picLocks noChangeAspect="1"/>
+          </p:cNvPicPr>
+          <p:nvPr/>
+        </p:nvPicPr>
+        <p:blipFill rotWithShape="1">
+          <a:blip r:embed="rId15"/>
+          <a:srcRect t="35743" r="348"/>
+          <a:stretch/>
+        </p:blipFill>
+        <p:spPr>
+          <a:xfrm>
+            <a:off x="209230" y="4620390"/>
+            <a:ext cx="1908937" cy="612694"/>
+          </a:xfrm>
+          <a:prstGeom prst="rect">
+            <a:avLst/>
+          </a:prstGeom>
+        </p:spPr>
+      </p:pic>
+      <p:pic>
+        <p:nvPicPr>
+          <p:cNvPr id="23" name="Picture 22">
+            <a:extLst>
+              <a:ext uri="{FF2B5EF4-FFF2-40B4-BE49-F238E27FC236}">
+                <a16:creationId xmlns:a16="http://schemas.microsoft.com/office/drawing/2014/main" id="{87F9681B-0572-D4C4-BB6F-09E30D78948C}"/>
+              </a:ext>
+            </a:extLst>
+          </p:cNvPr>
+          <p:cNvPicPr>
+            <a:picLocks noChangeAspect="1"/>
+          </p:cNvPicPr>
+          <p:nvPr/>
+        </p:nvPicPr>
+        <p:blipFill rotWithShape="1">
+          <a:blip r:embed="rId15"/>
+          <a:srcRect r="69251" b="53810"/>
+          <a:stretch/>
+        </p:blipFill>
+        <p:spPr>
+          <a:xfrm>
+            <a:off x="266283" y="3396433"/>
+            <a:ext cx="878009" cy="323974"/>
+          </a:xfrm>
+          <a:prstGeom prst="rect">
+            <a:avLst/>
+          </a:prstGeom>
+        </p:spPr>
+      </p:pic>
+      <p:pic>
+        <p:nvPicPr>
+          <p:cNvPr id="24" name="Picture 23">
+            <a:extLst>
+              <a:ext uri="{FF2B5EF4-FFF2-40B4-BE49-F238E27FC236}">
+                <a16:creationId xmlns:a16="http://schemas.microsoft.com/office/drawing/2014/main" id="{55508515-9138-5FCD-4D0A-990DF99D8AE6}"/>
+              </a:ext>
+            </a:extLst>
+          </p:cNvPr>
+          <p:cNvPicPr>
+            <a:picLocks noChangeAspect="1"/>
+          </p:cNvPicPr>
+          <p:nvPr/>
+        </p:nvPicPr>
+        <p:blipFill rotWithShape="1">
+          <a:blip r:embed="rId15"/>
+          <a:srcRect t="35743" r="348"/>
+          <a:stretch/>
+        </p:blipFill>
+        <p:spPr>
+          <a:xfrm>
+            <a:off x="231303" y="3731608"/>
+            <a:ext cx="1908937" cy="612694"/>
+          </a:xfrm>
+          <a:prstGeom prst="rect">
+            <a:avLst/>
+          </a:prstGeom>
+        </p:spPr>
+      </p:pic>
+      <p:pic>
+        <p:nvPicPr>
+          <p:cNvPr id="25" name="Picture 24">
+            <a:extLst>
+              <a:ext uri="{FF2B5EF4-FFF2-40B4-BE49-F238E27FC236}">
+                <a16:creationId xmlns:a16="http://schemas.microsoft.com/office/drawing/2014/main" id="{ABF2E272-46E9-6080-8B85-20E4C863754F}"/>
+              </a:ext>
+            </a:extLst>
+          </p:cNvPr>
+          <p:cNvPicPr>
+            <a:picLocks noChangeAspect="1"/>
+          </p:cNvPicPr>
+          <p:nvPr/>
+        </p:nvPicPr>
+        <p:blipFill rotWithShape="1">
+          <a:blip r:embed="rId15"/>
+          <a:srcRect r="69251" b="53810"/>
+          <a:stretch/>
+        </p:blipFill>
+        <p:spPr>
+          <a:xfrm>
+            <a:off x="2776367" y="2376102"/>
+            <a:ext cx="1192352" cy="439962"/>
+          </a:xfrm>
+          <a:prstGeom prst="rect">
+            <a:avLst/>
+          </a:prstGeom>
+        </p:spPr>
+      </p:pic>
+      <p:pic>
+        <p:nvPicPr>
+          <p:cNvPr id="26" name="Picture 25">
+            <a:extLst>
+              <a:ext uri="{FF2B5EF4-FFF2-40B4-BE49-F238E27FC236}">
+                <a16:creationId xmlns:a16="http://schemas.microsoft.com/office/drawing/2014/main" id="{37AA5F73-601E-FD57-6D2F-A2F9B960FD76}"/>
+              </a:ext>
+            </a:extLst>
+          </p:cNvPr>
+          <p:cNvPicPr>
+            <a:picLocks noChangeAspect="1"/>
+          </p:cNvPicPr>
+          <p:nvPr/>
+        </p:nvPicPr>
+        <p:blipFill rotWithShape="1">
+          <a:blip r:embed="rId15"/>
+          <a:srcRect r="69251" b="53810"/>
+          <a:stretch/>
+        </p:blipFill>
+        <p:spPr>
+          <a:xfrm>
+            <a:off x="292549" y="2507651"/>
+            <a:ext cx="878009" cy="323974"/>
+          </a:xfrm>
+          <a:prstGeom prst="rect">
+            <a:avLst/>
+          </a:prstGeom>
+        </p:spPr>
+      </p:pic>
+      <p:pic>
+        <p:nvPicPr>
+          <p:cNvPr id="27" name="Picture 26">
+            <a:extLst>
+              <a:ext uri="{FF2B5EF4-FFF2-40B4-BE49-F238E27FC236}">
+                <a16:creationId xmlns:a16="http://schemas.microsoft.com/office/drawing/2014/main" id="{F0A9A3F9-C9EB-C2DE-C136-450C44810F78}"/>
+              </a:ext>
+            </a:extLst>
+          </p:cNvPr>
+          <p:cNvPicPr>
+            <a:picLocks noChangeAspect="1"/>
+          </p:cNvPicPr>
+          <p:nvPr/>
+        </p:nvPicPr>
+        <p:blipFill rotWithShape="1">
+          <a:blip r:embed="rId15"/>
+          <a:srcRect t="35743" r="348"/>
+          <a:stretch/>
+        </p:blipFill>
+        <p:spPr>
+          <a:xfrm>
+            <a:off x="257569" y="2842826"/>
+            <a:ext cx="1908937" cy="612694"/>
+          </a:xfrm>
+          <a:prstGeom prst="rect">
+            <a:avLst/>
+          </a:prstGeom>
+        </p:spPr>
+      </p:pic>
+      <p:pic>
+        <p:nvPicPr>
+          <p:cNvPr id="13" name="Picture 12">
+            <a:extLst>
+              <a:ext uri="{FF2B5EF4-FFF2-40B4-BE49-F238E27FC236}">
+                <a16:creationId xmlns:a16="http://schemas.microsoft.com/office/drawing/2014/main" id="{639D2C6E-D2FF-9358-F8D5-942B4C76424B}"/>
+              </a:ext>
+            </a:extLst>
+          </p:cNvPr>
+          <p:cNvPicPr>
+            <a:picLocks noChangeAspect="1"/>
+          </p:cNvPicPr>
+          <p:nvPr/>
+        </p:nvPicPr>
+        <p:blipFill>
+          <a:blip r:embed="rId16"/>
+          <a:stretch>
+            <a:fillRect/>
+          </a:stretch>
+        </p:blipFill>
+        <p:spPr>
+          <a:xfrm>
             <a:off x="4908102" y="2184579"/>
             <a:ext cx="4147268" cy="3143300"/>
           </a:xfrm>
@@ -5640,7 +5729,7 @@
           <p:nvPr/>
         </p:nvPicPr>
         <p:blipFill rotWithShape="1">
-          <a:blip r:embed="rId15"/>
+          <a:blip r:embed="rId16"/>
           <a:srcRect l="66697" r="30775"/>
           <a:stretch/>
         </p:blipFill>
@@ -5669,7 +5758,7 @@
           <p:nvPr/>
         </p:nvPicPr>
         <p:blipFill rotWithShape="1">
-          <a:blip r:embed="rId15"/>
+          <a:blip r:embed="rId16"/>
           <a:srcRect l="66697" r="30775"/>
           <a:stretch/>
         </p:blipFill>
@@ -5698,7 +5787,7 @@
           <p:nvPr/>
         </p:nvPicPr>
         <p:blipFill rotWithShape="1">
-          <a:blip r:embed="rId16">
+          <a:blip r:embed="rId17">
             <a:extLst>
               <a:ext uri="{28A0092B-C50C-407E-A947-70E740481C1C}">
                 <a14:useLocalDpi xmlns:a14="http://schemas.microsoft.com/office/drawing/2010/main" val="0"/>
@@ -9619,6 +9708,36 @@
           </a:p>
         </p:txBody>
       </p:sp>
+      <p:pic>
+        <p:nvPicPr>
+          <p:cNvPr id="13" name="Picture 12">
+            <a:extLst>
+              <a:ext uri="{FF2B5EF4-FFF2-40B4-BE49-F238E27FC236}">
+                <a16:creationId xmlns:a16="http://schemas.microsoft.com/office/drawing/2014/main" id="{23B3E1F4-42FF-A62C-6608-3546937C3DBD}"/>
+              </a:ext>
+            </a:extLst>
+          </p:cNvPr>
+          <p:cNvPicPr>
+            <a:picLocks noChangeAspect="1"/>
+          </p:cNvPicPr>
+          <p:nvPr/>
+        </p:nvPicPr>
+        <p:blipFill>
+          <a:blip r:embed="rId17"/>
+          <a:stretch>
+            <a:fillRect/>
+          </a:stretch>
+        </p:blipFill>
+        <p:spPr>
+          <a:xfrm>
+            <a:off x="5561028" y="881048"/>
+            <a:ext cx="7277529" cy="5344435"/>
+          </a:xfrm>
+          <a:prstGeom prst="rect">
+            <a:avLst/>
+          </a:prstGeom>
+        </p:spPr>
+      </p:pic>
     </p:spTree>
     <p:extLst>
       <p:ext uri="{BB962C8B-B14F-4D97-AF65-F5344CB8AC3E}">
